--- a/Presentation/Concept_presentation.pptx
+++ b/Presentation/Concept_presentation.pptx
@@ -223,7 +223,7 @@
           <a:p>
             <a:fld id="{F408E766-3DF3-4224-AD06-407A897FD6EA}" type="datetimeFigureOut">
               <a:rPr lang="ko-KR" altLang="en-US" smtClean="0"/>
-              <a:t>2016-09-21</a:t>
+              <a:t>2016-09-25</a:t>
             </a:fld>
             <a:endParaRPr lang="ko-KR" altLang="en-US"/>
           </a:p>
@@ -388,7 +388,7 @@
           <a:p>
             <a:fld id="{80939FB8-D3DD-46F8-9D7D-885D4406E2A6}" type="datetimeFigureOut">
               <a:rPr lang="ko-KR" altLang="en-US" smtClean="0"/>
-              <a:t>2016-09-21</a:t>
+              <a:t>2016-09-25</a:t>
             </a:fld>
             <a:endParaRPr lang="ko-KR" altLang="en-US"/>
           </a:p>
@@ -8748,9 +8748,6 @@
               </a:rPr>
               <a:t>with voice recognition plug</a:t>
             </a:r>
-            <a:endParaRPr lang="en-US" altLang="ko-KR" dirty="0">
-              <a:latin typeface="+mn-lt"/>
-            </a:endParaRPr>
           </a:p>
         </p:txBody>
       </p:sp>
@@ -10106,21 +10103,7 @@
                 <a:latin typeface="나눔고딕" panose="020D0604000000000000" pitchFamily="50" charset="-127"/>
                 <a:ea typeface="나눔고딕" panose="020D0604000000000000" pitchFamily="50" charset="-127"/>
               </a:rPr>
-              <a:t>관련 </a:t>
-            </a:r>
-            <a:r>
-              <a:rPr lang="ko-KR" altLang="en-US" sz="2800" b="1" dirty="0" smtClean="0">
-                <a:ln>
-                  <a:solidFill>
-                    <a:schemeClr val="bg1">
-                      <a:lumMod val="65000"/>
-                    </a:schemeClr>
-                  </a:solidFill>
-                </a:ln>
-                <a:latin typeface="나눔고딕" panose="020D0604000000000000" pitchFamily="50" charset="-127"/>
-                <a:ea typeface="나눔고딕" panose="020D0604000000000000" pitchFamily="50" charset="-127"/>
-              </a:rPr>
-              <a:t>기술 </a:t>
+              <a:t>관련 기술 </a:t>
             </a:r>
             <a:r>
               <a:rPr lang="en-US" altLang="ko-KR" sz="1800" b="1" dirty="0" smtClean="0">
@@ -10520,7 +10503,28 @@
                 <a:ea typeface="나눔고딕" panose="020D0604000000000000" pitchFamily="50" charset="-127"/>
                 <a:cs typeface="함초롬바탕" panose="02030604000101010101" pitchFamily="18" charset="-127"/>
               </a:rPr>
-              <a:t>기존 </a:t>
+              <a:t>기존 스마트 플러그 형태의 </a:t>
+            </a:r>
+            <a:r>
+              <a:rPr lang="en-US" altLang="ko-KR" sz="2000" b="1" dirty="0" smtClean="0">
+                <a:ln>
+                  <a:solidFill>
+                    <a:schemeClr val="bg1">
+                      <a:lumMod val="65000"/>
+                    </a:schemeClr>
+                  </a:solidFill>
+                </a:ln>
+                <a:solidFill>
+                  <a:schemeClr val="tx1">
+                    <a:lumMod val="75000"/>
+                    <a:lumOff val="25000"/>
+                  </a:schemeClr>
+                </a:solidFill>
+                <a:latin typeface="나눔고딕" panose="020D0604000000000000" pitchFamily="50" charset="-127"/>
+                <a:ea typeface="나눔고딕" panose="020D0604000000000000" pitchFamily="50" charset="-127"/>
+                <a:cs typeface="함초롬바탕" panose="02030604000101010101" pitchFamily="18" charset="-127"/>
+              </a:rPr>
+              <a:t>App</a:t>
             </a:r>
             <a:r>
               <a:rPr lang="ko-KR" altLang="en-US" sz="2000" b="1" dirty="0" smtClean="0">
@@ -10541,7 +10545,7 @@
                 <a:ea typeface="나눔고딕" panose="020D0604000000000000" pitchFamily="50" charset="-127"/>
                 <a:cs typeface="함초롬바탕" panose="02030604000101010101" pitchFamily="18" charset="-127"/>
               </a:rPr>
-              <a:t>스마트 플러그 형태의 </a:t>
+              <a:t>은 </a:t>
             </a:r>
             <a:r>
               <a:rPr lang="en-US" altLang="ko-KR" sz="2000" b="1" dirty="0" smtClean="0">
@@ -10562,7 +10566,7 @@
                 <a:ea typeface="나눔고딕" panose="020D0604000000000000" pitchFamily="50" charset="-127"/>
                 <a:cs typeface="함초롬바탕" panose="02030604000101010101" pitchFamily="18" charset="-127"/>
               </a:rPr>
-              <a:t>App</a:t>
+              <a:t>UI</a:t>
             </a:r>
             <a:r>
               <a:rPr lang="ko-KR" altLang="en-US" sz="2000" b="1" dirty="0" smtClean="0">
@@ -10583,70 +10587,7 @@
                 <a:ea typeface="나눔고딕" panose="020D0604000000000000" pitchFamily="50" charset="-127"/>
                 <a:cs typeface="함초롬바탕" panose="02030604000101010101" pitchFamily="18" charset="-127"/>
               </a:rPr>
-              <a:t>은 </a:t>
-            </a:r>
-            <a:r>
-              <a:rPr lang="en-US" altLang="ko-KR" sz="2000" b="1" dirty="0" smtClean="0">
-                <a:ln>
-                  <a:solidFill>
-                    <a:schemeClr val="bg1">
-                      <a:lumMod val="65000"/>
-                    </a:schemeClr>
-                  </a:solidFill>
-                </a:ln>
-                <a:solidFill>
-                  <a:schemeClr val="tx1">
-                    <a:lumMod val="75000"/>
-                    <a:lumOff val="25000"/>
-                  </a:schemeClr>
-                </a:solidFill>
-                <a:latin typeface="나눔고딕" panose="020D0604000000000000" pitchFamily="50" charset="-127"/>
-                <a:ea typeface="나눔고딕" panose="020D0604000000000000" pitchFamily="50" charset="-127"/>
-                <a:cs typeface="함초롬바탕" panose="02030604000101010101" pitchFamily="18" charset="-127"/>
-              </a:rPr>
-              <a:t>UI</a:t>
-            </a:r>
-            <a:r>
-              <a:rPr lang="ko-KR" altLang="en-US" sz="2000" b="1" dirty="0" smtClean="0">
-                <a:ln>
-                  <a:solidFill>
-                    <a:schemeClr val="bg1">
-                      <a:lumMod val="65000"/>
-                    </a:schemeClr>
-                  </a:solidFill>
-                </a:ln>
-                <a:solidFill>
-                  <a:schemeClr val="tx1">
-                    <a:lumMod val="75000"/>
-                    <a:lumOff val="25000"/>
-                  </a:schemeClr>
-                </a:solidFill>
-                <a:latin typeface="나눔고딕" panose="020D0604000000000000" pitchFamily="50" charset="-127"/>
-                <a:ea typeface="나눔고딕" panose="020D0604000000000000" pitchFamily="50" charset="-127"/>
-                <a:cs typeface="함초롬바탕" panose="02030604000101010101" pitchFamily="18" charset="-127"/>
-              </a:rPr>
-              <a:t>에서 일일이 기기를 선택해서 작동 </a:t>
-            </a:r>
-            <a:r>
-              <a:rPr lang="ko-KR" altLang="en-US" sz="2000" b="1" dirty="0" smtClean="0">
-                <a:ln>
-                  <a:solidFill>
-                    <a:schemeClr val="bg1">
-                      <a:lumMod val="65000"/>
-                    </a:schemeClr>
-                  </a:solidFill>
-                </a:ln>
-                <a:solidFill>
-                  <a:schemeClr val="tx1">
-                    <a:lumMod val="75000"/>
-                    <a:lumOff val="25000"/>
-                  </a:schemeClr>
-                </a:solidFill>
-                <a:latin typeface="나눔고딕" panose="020D0604000000000000" pitchFamily="50" charset="-127"/>
-                <a:ea typeface="나눔고딕" panose="020D0604000000000000" pitchFamily="50" charset="-127"/>
-                <a:cs typeface="함초롬바탕" panose="02030604000101010101" pitchFamily="18" charset="-127"/>
-              </a:rPr>
-              <a:t>시켜야 함</a:t>
+              <a:t>에서 일일이 기기를 선택해서 작동 시켜야 함</a:t>
             </a:r>
             <a:endParaRPr lang="en-US" altLang="ko-KR" sz="2000" b="1" dirty="0">
               <a:ln>
@@ -11940,27 +11881,6 @@
                 <a:cs typeface="함초롬바탕" panose="02030604000101010101" pitchFamily="18" charset="-127"/>
               </a:rPr>
               <a:t>=</a:t>
-            </a:r>
-            <a:r>
-              <a:rPr lang="en-US" altLang="ko-KR" sz="3600" b="1" dirty="0" smtClean="0">
-                <a:ln>
-                  <a:solidFill>
-                    <a:schemeClr val="bg1">
-                      <a:lumMod val="65000"/>
-                    </a:schemeClr>
-                  </a:solidFill>
-                </a:ln>
-                <a:solidFill>
-                  <a:schemeClr val="tx1">
-                    <a:lumMod val="75000"/>
-                    <a:lumOff val="25000"/>
-                  </a:schemeClr>
-                </a:solidFill>
-                <a:latin typeface="나눔고딕" panose="020D0604000000000000" pitchFamily="50" charset="-127"/>
-                <a:ea typeface="나눔고딕" panose="020D0604000000000000" pitchFamily="50" charset="-127"/>
-                <a:cs typeface="함초롬바탕" panose="02030604000101010101" pitchFamily="18" charset="-127"/>
-              </a:rPr>
-              <a:t/>
             </a:r>
             <a:br>
               <a:rPr lang="en-US" altLang="ko-KR" sz="3600" b="1" dirty="0" smtClean="0">
@@ -12365,8 +12285,8 @@
         </p:nvSpPr>
         <p:spPr>
           <a:xfrm>
-            <a:off x="930443" y="4982102"/>
-            <a:ext cx="7880684" cy="1384995"/>
+            <a:off x="847281" y="4506285"/>
+            <a:ext cx="9449789" cy="2585323"/>
           </a:xfrm>
           <a:prstGeom prst="rect">
             <a:avLst/>
@@ -12377,7 +12297,7 @@
           </a:ln>
         </p:spPr>
         <p:txBody>
-          <a:bodyPr wrap="none" rtlCol="0">
+          <a:bodyPr wrap="square" rtlCol="0">
             <a:spAutoFit/>
           </a:bodyPr>
           <a:lstStyle/>
@@ -12387,6 +12307,27 @@
                 <a:spcPct val="150000"/>
               </a:lnSpc>
             </a:pPr>
+            <a:r>
+              <a:rPr lang="en-US" altLang="ko-KR" sz="2800" b="1" dirty="0" smtClean="0">
+                <a:ln>
+                  <a:solidFill>
+                    <a:schemeClr val="bg1">
+                      <a:lumMod val="65000"/>
+                    </a:schemeClr>
+                  </a:solidFill>
+                </a:ln>
+                <a:solidFill>
+                  <a:schemeClr val="tx1">
+                    <a:lumMod val="75000"/>
+                    <a:lumOff val="25000"/>
+                  </a:schemeClr>
+                </a:solidFill>
+                <a:latin typeface="나눔고딕" panose="020D0604000000000000" pitchFamily="50" charset="-127"/>
+                <a:ea typeface="나눔고딕" panose="020D0604000000000000" pitchFamily="50" charset="-127"/>
+                <a:cs typeface="함초롬바탕" panose="02030604000101010101" pitchFamily="18" charset="-127"/>
+              </a:rPr>
+              <a:t>| </a:t>
+            </a:r>
             <a:r>
               <a:rPr lang="ko-KR" altLang="en-US" sz="2800" b="1" dirty="0" smtClean="0">
                 <a:ln>
@@ -12427,7 +12368,28 @@
                 <a:ea typeface="나눔고딕" panose="020D0604000000000000" pitchFamily="50" charset="-127"/>
                 <a:cs typeface="함초롬바탕" panose="02030604000101010101" pitchFamily="18" charset="-127"/>
               </a:rPr>
-              <a:t>마트폰 어플리케이션에서 기기를 일일이 선택하여 관리함</a:t>
+              <a:t>마트폰 </a:t>
+            </a:r>
+            <a:r>
+              <a:rPr lang="ko-KR" altLang="en-US" sz="2400" b="1" dirty="0" smtClean="0">
+                <a:ln>
+                  <a:solidFill>
+                    <a:schemeClr val="bg1">
+                      <a:lumMod val="65000"/>
+                    </a:schemeClr>
+                  </a:solidFill>
+                </a:ln>
+                <a:solidFill>
+                  <a:schemeClr val="tx1">
+                    <a:lumMod val="75000"/>
+                    <a:lumOff val="25000"/>
+                  </a:schemeClr>
+                </a:solidFill>
+                <a:latin typeface="나눔고딕" panose="020D0604000000000000" pitchFamily="50" charset="-127"/>
+                <a:ea typeface="나눔고딕" panose="020D0604000000000000" pitchFamily="50" charset="-127"/>
+                <a:cs typeface="함초롬바탕" panose="02030604000101010101" pitchFamily="18" charset="-127"/>
+              </a:rPr>
+              <a:t>어플리케이션에서 기기를 일일이 선택하여 관리함</a:t>
             </a:r>
             <a:endParaRPr lang="en-US" altLang="ko-KR" sz="2400" b="1" dirty="0">
               <a:ln>
@@ -12455,6 +12417,27 @@
               </a:lnSpc>
             </a:pPr>
             <a:r>
+              <a:rPr lang="en-US" altLang="ko-KR" sz="2800" b="1" dirty="0">
+                <a:ln>
+                  <a:solidFill>
+                    <a:schemeClr val="bg1">
+                      <a:lumMod val="65000"/>
+                    </a:schemeClr>
+                  </a:solidFill>
+                </a:ln>
+                <a:solidFill>
+                  <a:schemeClr val="tx1">
+                    <a:lumMod val="75000"/>
+                    <a:lumOff val="25000"/>
+                  </a:schemeClr>
+                </a:solidFill>
+                <a:latin typeface="나눔고딕" panose="020D0604000000000000" pitchFamily="50" charset="-127"/>
+                <a:ea typeface="나눔고딕" panose="020D0604000000000000" pitchFamily="50" charset="-127"/>
+                <a:cs typeface="함초롬바탕" panose="02030604000101010101" pitchFamily="18" charset="-127"/>
+              </a:rPr>
+              <a:t>| </a:t>
+            </a:r>
+            <a:r>
               <a:rPr lang="ko-KR" altLang="en-US" sz="2800" b="1" dirty="0" smtClean="0">
                 <a:ln>
                   <a:solidFill>
@@ -12494,8 +12477,163 @@
                 <a:ea typeface="나눔고딕" panose="020D0604000000000000" pitchFamily="50" charset="-127"/>
                 <a:cs typeface="함초롬바탕" panose="02030604000101010101" pitchFamily="18" charset="-127"/>
               </a:rPr>
-              <a:t>성인식으로 동작하는 서비스는 없음</a:t>
-            </a:r>
+              <a:t>성인식 서비스가 있긴 하지만 확장성이 없고 </a:t>
+            </a:r>
+            <a:r>
+              <a:rPr lang="ko-KR" altLang="en-US" sz="2400" b="1" dirty="0" err="1" smtClean="0">
+                <a:ln>
+                  <a:solidFill>
+                    <a:schemeClr val="bg1">
+                      <a:lumMod val="65000"/>
+                    </a:schemeClr>
+                  </a:solidFill>
+                </a:ln>
+                <a:solidFill>
+                  <a:schemeClr val="tx1">
+                    <a:lumMod val="75000"/>
+                    <a:lumOff val="25000"/>
+                  </a:schemeClr>
+                </a:solidFill>
+                <a:latin typeface="나눔고딕" panose="020D0604000000000000" pitchFamily="50" charset="-127"/>
+                <a:ea typeface="나눔고딕" panose="020D0604000000000000" pitchFamily="50" charset="-127"/>
+                <a:cs typeface="함초롬바탕" panose="02030604000101010101" pitchFamily="18" charset="-127"/>
+              </a:rPr>
+              <a:t>제한적임</a:t>
+            </a:r>
+            <a:endParaRPr lang="en-US" altLang="ko-KR" sz="2400" b="1" dirty="0">
+              <a:ln>
+                <a:solidFill>
+                  <a:schemeClr val="bg1">
+                    <a:lumMod val="65000"/>
+                  </a:schemeClr>
+                </a:solidFill>
+              </a:ln>
+              <a:solidFill>
+                <a:schemeClr val="tx1">
+                  <a:lumMod val="75000"/>
+                  <a:lumOff val="25000"/>
+                </a:schemeClr>
+              </a:solidFill>
+              <a:latin typeface="나눔고딕" panose="020D0604000000000000" pitchFamily="50" charset="-127"/>
+              <a:ea typeface="나눔고딕" panose="020D0604000000000000" pitchFamily="50" charset="-127"/>
+              <a:cs typeface="함초롬바탕" panose="02030604000101010101" pitchFamily="18" charset="-127"/>
+            </a:endParaRPr>
+          </a:p>
+          <a:p>
+            <a:pPr>
+              <a:lnSpc>
+                <a:spcPct val="150000"/>
+              </a:lnSpc>
+            </a:pPr>
+            <a:r>
+              <a:rPr lang="en-US" altLang="ko-KR" sz="2800" b="1" dirty="0">
+                <a:ln>
+                  <a:solidFill>
+                    <a:schemeClr val="bg1">
+                      <a:lumMod val="65000"/>
+                    </a:schemeClr>
+                  </a:solidFill>
+                </a:ln>
+                <a:solidFill>
+                  <a:schemeClr val="tx1">
+                    <a:lumMod val="75000"/>
+                    <a:lumOff val="25000"/>
+                  </a:schemeClr>
+                </a:solidFill>
+                <a:latin typeface="나눔고딕" panose="020D0604000000000000" pitchFamily="50" charset="-127"/>
+                <a:ea typeface="나눔고딕" panose="020D0604000000000000" pitchFamily="50" charset="-127"/>
+                <a:cs typeface="함초롬바탕" panose="02030604000101010101" pitchFamily="18" charset="-127"/>
+              </a:rPr>
+              <a:t>| </a:t>
+            </a:r>
+            <a:r>
+              <a:rPr lang="en-US" altLang="ko-KR" sz="2800" b="1" dirty="0" smtClean="0">
+                <a:ln>
+                  <a:solidFill>
+                    <a:schemeClr val="bg1">
+                      <a:lumMod val="65000"/>
+                    </a:schemeClr>
+                  </a:solidFill>
+                </a:ln>
+                <a:solidFill>
+                  <a:schemeClr val="tx1">
+                    <a:lumMod val="75000"/>
+                    <a:lumOff val="25000"/>
+                  </a:schemeClr>
+                </a:solidFill>
+                <a:latin typeface="나눔고딕" panose="020D0604000000000000" pitchFamily="50" charset="-127"/>
+                <a:ea typeface="나눔고딕" panose="020D0604000000000000" pitchFamily="50" charset="-127"/>
+                <a:cs typeface="함초롬바탕" panose="02030604000101010101" pitchFamily="18" charset="-127"/>
+              </a:rPr>
+              <a:t>W</a:t>
+            </a:r>
+            <a:r>
+              <a:rPr lang="en-US" altLang="ko-KR" sz="2400" b="1" dirty="0" smtClean="0">
+                <a:ln>
+                  <a:solidFill>
+                    <a:schemeClr val="bg1">
+                      <a:lumMod val="65000"/>
+                    </a:schemeClr>
+                  </a:solidFill>
+                </a:ln>
+                <a:solidFill>
+                  <a:schemeClr val="tx1">
+                    <a:lumMod val="75000"/>
+                    <a:lumOff val="25000"/>
+                  </a:schemeClr>
+                </a:solidFill>
+                <a:latin typeface="나눔고딕" panose="020D0604000000000000" pitchFamily="50" charset="-127"/>
+                <a:ea typeface="나눔고딕" panose="020D0604000000000000" pitchFamily="50" charset="-127"/>
+                <a:cs typeface="함초롬바탕" panose="02030604000101010101" pitchFamily="18" charset="-127"/>
+              </a:rPr>
+              <a:t>earable</a:t>
+            </a:r>
+            <a:r>
+              <a:rPr lang="ko-KR" altLang="en-US" sz="2400" b="1" dirty="0" smtClean="0">
+                <a:ln>
+                  <a:solidFill>
+                    <a:schemeClr val="bg1">
+                      <a:lumMod val="65000"/>
+                    </a:schemeClr>
+                  </a:solidFill>
+                </a:ln>
+                <a:solidFill>
+                  <a:schemeClr val="tx1">
+                    <a:lumMod val="75000"/>
+                    <a:lumOff val="25000"/>
+                  </a:schemeClr>
+                </a:solidFill>
+                <a:latin typeface="나눔고딕" panose="020D0604000000000000" pitchFamily="50" charset="-127"/>
+                <a:ea typeface="나눔고딕" panose="020D0604000000000000" pitchFamily="50" charset="-127"/>
+                <a:cs typeface="함초롬바탕" panose="02030604000101010101" pitchFamily="18" charset="-127"/>
+              </a:rPr>
+              <a:t> 기기와 호환되는 스마트 홈 서비스는 아직 없음</a:t>
+            </a:r>
+            <a:endParaRPr lang="en-US" altLang="ko-KR" sz="2400" b="1" dirty="0" smtClean="0">
+              <a:ln>
+                <a:solidFill>
+                  <a:schemeClr val="bg1">
+                    <a:lumMod val="65000"/>
+                  </a:schemeClr>
+                </a:solidFill>
+              </a:ln>
+              <a:solidFill>
+                <a:schemeClr val="tx1">
+                  <a:lumMod val="75000"/>
+                  <a:lumOff val="25000"/>
+                </a:schemeClr>
+              </a:solidFill>
+              <a:latin typeface="나눔고딕" panose="020D0604000000000000" pitchFamily="50" charset="-127"/>
+              <a:ea typeface="나눔고딕" panose="020D0604000000000000" pitchFamily="50" charset="-127"/>
+              <a:cs typeface="함초롬바탕" panose="02030604000101010101" pitchFamily="18" charset="-127"/>
+            </a:endParaRPr>
+          </a:p>
+          <a:p>
+            <a:pPr>
+              <a:lnSpc>
+                <a:spcPct val="150000"/>
+              </a:lnSpc>
+            </a:pPr>
             <a:endParaRPr lang="en-US" altLang="ko-KR" sz="2400" b="1" dirty="0" smtClean="0">
               <a:ln>
                 <a:solidFill>
@@ -12926,123 +13064,47 @@
           </a:p>
         </p:txBody>
       </p:sp>
-      <p:grpSp>
-        <p:nvGrpSpPr>
-          <p:cNvPr id="15" name="그룹 14"/>
-          <p:cNvGrpSpPr/>
+      <p:pic>
+        <p:nvPicPr>
+          <p:cNvPr id="1026" name="Picture 2" descr="http://image.edaily.co.kr/images/photo/files/NP/S/2015/07/PS15071600332.jpg"/>
+          <p:cNvPicPr>
+            <a:picLocks noChangeAspect="1" noChangeArrowheads="1"/>
+          </p:cNvPicPr>
           <p:nvPr/>
-        </p:nvGrpSpPr>
-        <p:grpSpPr>
+        </p:nvPicPr>
+        <p:blipFill>
+          <a:blip r:embed="rId4">
+            <a:extLst>
+              <a:ext uri="{28A0092B-C50C-407E-A947-70E740481C1C}">
+                <a14:useLocalDpi xmlns:a14="http://schemas.microsoft.com/office/drawing/2010/main" val="0"/>
+              </a:ext>
+            </a:extLst>
+          </a:blip>
+          <a:srcRect/>
+          <a:stretch>
+            <a:fillRect/>
+          </a:stretch>
+        </p:blipFill>
+        <p:spPr bwMode="auto">
           <a:xfrm>
-            <a:off x="8496870" y="2203260"/>
-            <a:ext cx="2567946" cy="2407435"/>
-            <a:chOff x="8640840" y="1948751"/>
-            <a:chExt cx="2567946" cy="2407435"/>
-          </a:xfrm>
-        </p:grpSpPr>
-        <p:pic>
-          <p:nvPicPr>
-            <p:cNvPr id="14" name="그림 13"/>
-            <p:cNvPicPr>
-              <a:picLocks noChangeAspect="1"/>
-            </p:cNvPicPr>
-            <p:nvPr/>
-          </p:nvPicPr>
-          <p:blipFill>
-            <a:blip r:embed="rId4"/>
-            <a:stretch>
-              <a:fillRect/>
-            </a:stretch>
-          </p:blipFill>
-          <p:spPr>
-            <a:xfrm>
-              <a:off x="8640840" y="1948751"/>
-              <a:ext cx="2304348" cy="2151480"/>
-            </a:xfrm>
-            <a:prstGeom prst="rect">
-              <a:avLst/>
-            </a:prstGeom>
-            <a:ln>
-              <a:noFill/>
-            </a:ln>
-            <a:effectLst>
-              <a:softEdge rad="112500"/>
-            </a:effectLst>
-          </p:spPr>
-        </p:pic>
-        <p:sp>
-          <p:nvSpPr>
-            <p:cNvPr id="26" name="TextBox 25"/>
-            <p:cNvSpPr txBox="1"/>
-            <p:nvPr/>
-          </p:nvSpPr>
-          <p:spPr>
-            <a:xfrm>
-              <a:off x="9793014" y="3774488"/>
-              <a:ext cx="1415772" cy="581698"/>
-            </a:xfrm>
-            <a:prstGeom prst="rect">
-              <a:avLst/>
-            </a:prstGeom>
-            <a:noFill/>
-            <a:ln>
-              <a:noFill/>
-            </a:ln>
-          </p:spPr>
-          <p:txBody>
-            <a:bodyPr wrap="none" rtlCol="0">
-              <a:spAutoFit/>
-            </a:bodyPr>
-            <a:lstStyle/>
-            <a:p>
-              <a:pPr>
-                <a:lnSpc>
-                  <a:spcPct val="150000"/>
-                </a:lnSpc>
-              </a:pPr>
-              <a:r>
-                <a:rPr lang="en-US" altLang="ko-KR" sz="2400" i="1" dirty="0" smtClean="0">
-                  <a:ln>
-                    <a:solidFill>
-                      <a:schemeClr val="bg1">
-                        <a:lumMod val="65000"/>
-                      </a:schemeClr>
-                    </a:solidFill>
-                  </a:ln>
-                  <a:solidFill>
-                    <a:schemeClr val="tx1">
-                      <a:lumMod val="75000"/>
-                      <a:lumOff val="25000"/>
-                    </a:schemeClr>
-                  </a:solidFill>
-                  <a:latin typeface="나눔고딕" panose="020D0604000000000000" pitchFamily="50" charset="-127"/>
-                  <a:ea typeface="나눔고딕" panose="020D0604000000000000" pitchFamily="50" charset="-127"/>
-                  <a:cs typeface="함초롬바탕" panose="02030604000101010101" pitchFamily="18" charset="-127"/>
-                </a:rPr>
-                <a:t>Switcher</a:t>
-              </a:r>
-              <a:endParaRPr lang="en-US" altLang="ko-KR" sz="2400" i="1" dirty="0">
-                <a:ln>
-                  <a:solidFill>
-                    <a:schemeClr val="bg1">
-                      <a:lumMod val="65000"/>
-                    </a:schemeClr>
-                  </a:solidFill>
-                </a:ln>
-                <a:solidFill>
-                  <a:schemeClr val="tx1">
-                    <a:lumMod val="75000"/>
-                    <a:lumOff val="25000"/>
-                  </a:schemeClr>
-                </a:solidFill>
-                <a:latin typeface="나눔고딕" panose="020D0604000000000000" pitchFamily="50" charset="-127"/>
-                <a:ea typeface="나눔고딕" panose="020D0604000000000000" pitchFamily="50" charset="-127"/>
-                <a:cs typeface="함초롬바탕" panose="02030604000101010101" pitchFamily="18" charset="-127"/>
-              </a:endParaRPr>
-            </a:p>
-          </p:txBody>
-        </p:sp>
-      </p:grpSp>
+            <a:off x="8380969" y="2125303"/>
+            <a:ext cx="3299314" cy="2159061"/>
+          </a:xfrm>
+          <a:prstGeom prst="rect">
+            <a:avLst/>
+          </a:prstGeom>
+          <a:noFill/>
+          <a:extLst>
+            <a:ext uri="{909E8E84-426E-40DD-AFC4-6F175D3DCCD1}">
+              <a14:hiddenFill xmlns:a14="http://schemas.microsoft.com/office/drawing/2010/main">
+                <a:solidFill>
+                  <a:srgbClr val="FFFFFF"/>
+                </a:solidFill>
+              </a14:hiddenFill>
+            </a:ext>
+          </a:extLst>
+        </p:spPr>
+      </p:pic>
     </p:spTree>
     <p:extLst>
       <p:ext uri="{BB962C8B-B14F-4D97-AF65-F5344CB8AC3E}">
@@ -13080,38 +13142,6 @@
           <a:chExt cx="0" cy="0"/>
         </a:xfrm>
       </p:grpSpPr>
-      <p:pic>
-        <p:nvPicPr>
-          <p:cNvPr id="58" name="그림 57"/>
-          <p:cNvPicPr>
-            <a:picLocks noChangeAspect="1"/>
-          </p:cNvPicPr>
-          <p:nvPr/>
-        </p:nvPicPr>
-        <p:blipFill>
-          <a:blip r:embed="rId2">
-            <a:duotone>
-              <a:schemeClr val="accent3">
-                <a:shade val="45000"/>
-                <a:satMod val="135000"/>
-              </a:schemeClr>
-              <a:prstClr val="white"/>
-            </a:duotone>
-          </a:blip>
-          <a:stretch>
-            <a:fillRect/>
-          </a:stretch>
-        </p:blipFill>
-        <p:spPr>
-          <a:xfrm>
-            <a:off x="10005165" y="1673229"/>
-            <a:ext cx="1205802" cy="1290465"/>
-          </a:xfrm>
-          <a:prstGeom prst="rect">
-            <a:avLst/>
-          </a:prstGeom>
-        </p:spPr>
-      </p:pic>
       <p:sp>
         <p:nvSpPr>
           <p:cNvPr id="88" name="텍스트 개체 틀 1"/>
@@ -13236,53 +13266,14 @@
       </p:sp>
       <p:pic>
         <p:nvPicPr>
-          <p:cNvPr id="19" name="Picture 16"/>
+          <p:cNvPr id="27" name="Picture 24"/>
           <p:cNvPicPr>
             <a:picLocks noChangeAspect="1"/>
           </p:cNvPicPr>
           <p:nvPr/>
         </p:nvPicPr>
         <p:blipFill>
-          <a:blip r:embed="rId3" cstate="print">
-            <a:extLst>
-              <a:ext uri="{BEBA8EAE-BF5A-486C-A8C5-ECC9F3942E4B}">
-                <a14:imgProps xmlns:a14="http://schemas.microsoft.com/office/drawing/2010/main">
-                  <a14:imgLayer r:embed="rId4">
-                    <a14:imgEffect>
-                      <a14:backgroundRemoval t="4000" b="90000" l="10000" r="90000"/>
-                    </a14:imgEffect>
-                  </a14:imgLayer>
-                </a14:imgProps>
-              </a:ext>
-              <a:ext uri="{28A0092B-C50C-407E-A947-70E740481C1C}">
-                <a14:useLocalDpi xmlns:a14="http://schemas.microsoft.com/office/drawing/2010/main" val="0"/>
-              </a:ext>
-            </a:extLst>
-          </a:blip>
-          <a:stretch>
-            <a:fillRect/>
-          </a:stretch>
-        </p:blipFill>
-        <p:spPr>
-          <a:xfrm>
-            <a:off x="7524825" y="72480"/>
-            <a:ext cx="1335508" cy="1338766"/>
-          </a:xfrm>
-          <a:prstGeom prst="rect">
-            <a:avLst/>
-          </a:prstGeom>
-        </p:spPr>
-      </p:pic>
-      <p:pic>
-        <p:nvPicPr>
-          <p:cNvPr id="26" name="Picture 23"/>
-          <p:cNvPicPr>
-            <a:picLocks noChangeAspect="1"/>
-          </p:cNvPicPr>
-          <p:nvPr/>
-        </p:nvPicPr>
-        <p:blipFill>
-          <a:blip r:embed="rId5" cstate="print">
+          <a:blip r:embed="rId2" cstate="print">
             <a:duotone>
               <a:schemeClr val="accent3">
                 <a:shade val="45000"/>
@@ -13293,7 +13284,7 @@
             <a:extLst>
               <a:ext uri="{BEBA8EAE-BF5A-486C-A8C5-ECC9F3942E4B}">
                 <a14:imgProps xmlns:a14="http://schemas.microsoft.com/office/drawing/2010/main">
-                  <a14:imgLayer r:embed="rId6">
+                  <a14:imgLayer r:embed="rId3">
                     <a14:imgEffect>
                       <a14:backgroundRemoval t="1292" b="95866" l="2989" r="97011">
                         <a14:foregroundMark x1="47283" y1="44444" x2="47283" y2="44444"/>
@@ -13313,8 +13304,8 @@
           </a:stretch>
         </p:blipFill>
         <p:spPr>
-          <a:xfrm rot="4503603">
-            <a:off x="6455650" y="2239689"/>
+          <a:xfrm rot="3714649">
+            <a:off x="6431304" y="2854491"/>
             <a:ext cx="656045" cy="688238"/>
           </a:xfrm>
           <a:prstGeom prst="rect">
@@ -13324,14 +13315,14 @@
       </p:pic>
       <p:pic>
         <p:nvPicPr>
-          <p:cNvPr id="27" name="Picture 24"/>
+          <p:cNvPr id="15" name="Picture 5"/>
           <p:cNvPicPr>
             <a:picLocks noChangeAspect="1"/>
           </p:cNvPicPr>
           <p:nvPr/>
         </p:nvPicPr>
         <p:blipFill>
-          <a:blip r:embed="rId5" cstate="print">
+          <a:blip r:embed="rId2" cstate="print">
             <a:duotone>
               <a:schemeClr val="accent3">
                 <a:shade val="45000"/>
@@ -13342,105 +13333,7 @@
             <a:extLst>
               <a:ext uri="{BEBA8EAE-BF5A-486C-A8C5-ECC9F3942E4B}">
                 <a14:imgProps xmlns:a14="http://schemas.microsoft.com/office/drawing/2010/main">
-                  <a14:imgLayer r:embed="rId6">
-                    <a14:imgEffect>
-                      <a14:backgroundRemoval t="1292" b="95866" l="2989" r="97011">
-                        <a14:foregroundMark x1="47283" y1="44444" x2="47283" y2="44444"/>
-                        <a14:foregroundMark x1="50951" y1="82946" x2="50951" y2="82946"/>
-                      </a14:backgroundRemoval>
-                    </a14:imgEffect>
-                  </a14:imgLayer>
-                </a14:imgProps>
-              </a:ext>
-              <a:ext uri="{28A0092B-C50C-407E-A947-70E740481C1C}">
-                <a14:useLocalDpi xmlns:a14="http://schemas.microsoft.com/office/drawing/2010/main" val="0"/>
-              </a:ext>
-            </a:extLst>
-          </a:blip>
-          <a:stretch>
-            <a:fillRect/>
-          </a:stretch>
-        </p:blipFill>
-        <p:spPr>
-          <a:xfrm rot="5400000">
-            <a:off x="6455649" y="3545608"/>
-            <a:ext cx="656045" cy="688238"/>
-          </a:xfrm>
-          <a:prstGeom prst="rect">
-            <a:avLst/>
-          </a:prstGeom>
-        </p:spPr>
-      </p:pic>
-      <p:pic>
-        <p:nvPicPr>
-          <p:cNvPr id="28" name="Picture 25"/>
-          <p:cNvPicPr>
-            <a:picLocks noChangeAspect="1"/>
-          </p:cNvPicPr>
-          <p:nvPr/>
-        </p:nvPicPr>
-        <p:blipFill>
-          <a:blip r:embed="rId5" cstate="print">
-            <a:duotone>
-              <a:schemeClr val="accent3">
-                <a:shade val="45000"/>
-                <a:satMod val="135000"/>
-              </a:schemeClr>
-              <a:prstClr val="white"/>
-            </a:duotone>
-            <a:extLst>
-              <a:ext uri="{BEBA8EAE-BF5A-486C-A8C5-ECC9F3942E4B}">
-                <a14:imgProps xmlns:a14="http://schemas.microsoft.com/office/drawing/2010/main">
-                  <a14:imgLayer r:embed="rId6">
-                    <a14:imgEffect>
-                      <a14:backgroundRemoval t="1292" b="95866" l="2989" r="97011">
-                        <a14:foregroundMark x1="47283" y1="44444" x2="47283" y2="44444"/>
-                        <a14:foregroundMark x1="50951" y1="82946" x2="50951" y2="82946"/>
-                      </a14:backgroundRemoval>
-                    </a14:imgEffect>
-                  </a14:imgLayer>
-                </a14:imgProps>
-              </a:ext>
-              <a:ext uri="{28A0092B-C50C-407E-A947-70E740481C1C}">
-                <a14:useLocalDpi xmlns:a14="http://schemas.microsoft.com/office/drawing/2010/main" val="0"/>
-              </a:ext>
-            </a:extLst>
-          </a:blip>
-          <a:stretch>
-            <a:fillRect/>
-          </a:stretch>
-        </p:blipFill>
-        <p:spPr>
-          <a:xfrm rot="6401170">
-            <a:off x="6404213" y="4741575"/>
-            <a:ext cx="656045" cy="688238"/>
-          </a:xfrm>
-          <a:prstGeom prst="rect">
-            <a:avLst/>
-          </a:prstGeom>
-        </p:spPr>
-      </p:pic>
-      <p:pic>
-        <p:nvPicPr>
-          <p:cNvPr id="15" name="Picture 5"/>
-          <p:cNvPicPr>
-            <a:picLocks noChangeAspect="1"/>
-          </p:cNvPicPr>
-          <p:nvPr/>
-        </p:nvPicPr>
-        <p:blipFill>
-          <a:blip r:embed="rId5" cstate="print">
-            <a:duotone>
-              <a:schemeClr val="accent3">
-                <a:shade val="45000"/>
-                <a:satMod val="135000"/>
-              </a:schemeClr>
-              <a:prstClr val="white"/>
-            </a:duotone>
-            <a:extLst>
-              <a:ext uri="{BEBA8EAE-BF5A-486C-A8C5-ECC9F3942E4B}">
-                <a14:imgProps xmlns:a14="http://schemas.microsoft.com/office/drawing/2010/main">
-                  <a14:imgLayer r:embed="rId6">
+                  <a14:imgLayer r:embed="rId3">
                     <a14:imgEffect>
                       <a14:backgroundRemoval t="1292" b="95866" l="2989" r="97011">
                         <a14:foregroundMark x1="47283" y1="44444" x2="47283" y2="44444"/>
@@ -13492,11 +13385,11 @@
             <p:nvPr/>
           </p:nvPicPr>
           <p:blipFill>
-            <a:blip r:embed="rId7" cstate="print">
+            <a:blip r:embed="rId4" cstate="print">
               <a:extLst>
                 <a:ext uri="{BEBA8EAE-BF5A-486C-A8C5-ECC9F3942E4B}">
                   <a14:imgProps xmlns:a14="http://schemas.microsoft.com/office/drawing/2010/main">
-                    <a14:imgLayer r:embed="rId8">
+                    <a14:imgLayer r:embed="rId5">
                       <a14:imgEffect>
                         <a14:backgroundRemoval t="9971" b="99267" l="9903" r="92370">
                           <a14:foregroundMark x1="65422" y1="36510" x2="65422" y2="36510"/>
@@ -13536,7 +13429,7 @@
             <p:nvPr/>
           </p:nvPicPr>
           <p:blipFill>
-            <a:blip r:embed="rId9"/>
+            <a:blip r:embed="rId6"/>
             <a:stretch>
               <a:fillRect/>
             </a:stretch>
@@ -13552,220 +13445,178 @@
           </p:spPr>
         </p:pic>
       </p:grpSp>
-      <p:grpSp>
-        <p:nvGrpSpPr>
-          <p:cNvPr id="48" name="그룹 47"/>
-          <p:cNvGrpSpPr/>
+      <p:pic>
+        <p:nvPicPr>
+          <p:cNvPr id="59" name="그림 58"/>
+          <p:cNvPicPr>
+            <a:picLocks noChangeAspect="1"/>
+          </p:cNvPicPr>
           <p:nvPr/>
-        </p:nvGrpSpPr>
-        <p:grpSpPr>
-          <a:xfrm>
-            <a:off x="7284245" y="1456308"/>
-            <a:ext cx="1816669" cy="5060305"/>
-            <a:chOff x="7256265" y="1456308"/>
-            <a:chExt cx="1816669" cy="5060305"/>
-          </a:xfrm>
-        </p:grpSpPr>
-        <p:pic>
-          <p:nvPicPr>
-            <p:cNvPr id="50" name="그림 49"/>
-            <p:cNvPicPr>
-              <a:picLocks noChangeAspect="1"/>
-            </p:cNvPicPr>
-            <p:nvPr/>
-          </p:nvPicPr>
-          <p:blipFill>
-            <a:blip r:embed="rId10" cstate="print">
-              <a:duotone>
-                <a:schemeClr val="accent3">
-                  <a:shade val="45000"/>
-                  <a:satMod val="135000"/>
-                </a:schemeClr>
-                <a:prstClr val="white"/>
-              </a:duotone>
-              <a:extLst>
-                <a:ext uri="{28A0092B-C50C-407E-A947-70E740481C1C}">
-                  <a14:useLocalDpi xmlns:a14="http://schemas.microsoft.com/office/drawing/2010/main" val="0"/>
-                </a:ext>
-              </a:extLst>
-            </a:blip>
-            <a:stretch>
-              <a:fillRect/>
-            </a:stretch>
-          </p:blipFill>
-          <p:spPr>
-            <a:xfrm>
-              <a:off x="7705567" y="1635058"/>
-              <a:ext cx="847844" cy="1366808"/>
-            </a:xfrm>
-            <a:prstGeom prst="rect">
-              <a:avLst/>
-            </a:prstGeom>
-          </p:spPr>
-        </p:pic>
-        <p:pic>
-          <p:nvPicPr>
-            <p:cNvPr id="51" name="그림 50"/>
-            <p:cNvPicPr>
-              <a:picLocks noChangeAspect="1"/>
-            </p:cNvPicPr>
-            <p:nvPr/>
-          </p:nvPicPr>
-          <p:blipFill>
-            <a:blip r:embed="rId10" cstate="print">
-              <a:duotone>
-                <a:schemeClr val="accent3">
-                  <a:shade val="45000"/>
-                  <a:satMod val="135000"/>
-                </a:schemeClr>
-                <a:prstClr val="white"/>
-              </a:duotone>
-              <a:extLst>
-                <a:ext uri="{28A0092B-C50C-407E-A947-70E740481C1C}">
-                  <a14:useLocalDpi xmlns:a14="http://schemas.microsoft.com/office/drawing/2010/main" val="0"/>
-                </a:ext>
-              </a:extLst>
-            </a:blip>
-            <a:stretch>
-              <a:fillRect/>
-            </a:stretch>
-          </p:blipFill>
-          <p:spPr>
-            <a:xfrm>
-              <a:off x="7726235" y="3270389"/>
-              <a:ext cx="847844" cy="1366808"/>
-            </a:xfrm>
-            <a:prstGeom prst="rect">
-              <a:avLst/>
-            </a:prstGeom>
-          </p:spPr>
-        </p:pic>
-        <p:pic>
-          <p:nvPicPr>
-            <p:cNvPr id="52" name="그림 51"/>
-            <p:cNvPicPr>
-              <a:picLocks noChangeAspect="1"/>
-            </p:cNvPicPr>
-            <p:nvPr/>
-          </p:nvPicPr>
-          <p:blipFill>
-            <a:blip r:embed="rId10" cstate="print">
-              <a:duotone>
-                <a:schemeClr val="accent3">
-                  <a:shade val="45000"/>
-                  <a:satMod val="135000"/>
-                </a:schemeClr>
-                <a:prstClr val="white"/>
-              </a:duotone>
-              <a:extLst>
-                <a:ext uri="{28A0092B-C50C-407E-A947-70E740481C1C}">
-                  <a14:useLocalDpi xmlns:a14="http://schemas.microsoft.com/office/drawing/2010/main" val="0"/>
-                </a:ext>
-              </a:extLst>
-            </a:blip>
-            <a:stretch>
-              <a:fillRect/>
-            </a:stretch>
-          </p:blipFill>
-          <p:spPr>
-            <a:xfrm>
-              <a:off x="7741303" y="4905720"/>
-              <a:ext cx="847844" cy="1366808"/>
-            </a:xfrm>
-            <a:prstGeom prst="rect">
-              <a:avLst/>
-            </a:prstGeom>
-          </p:spPr>
-        </p:pic>
-        <p:sp>
-          <p:nvSpPr>
-            <p:cNvPr id="47" name="모서리가 둥근 직사각형 46"/>
-            <p:cNvSpPr/>
-            <p:nvPr/>
-          </p:nvSpPr>
-          <p:spPr>
-            <a:xfrm>
-              <a:off x="7256265" y="1456308"/>
-              <a:ext cx="1816669" cy="5060305"/>
-            </a:xfrm>
-            <a:prstGeom prst="roundRect">
-              <a:avLst/>
-            </a:prstGeom>
-            <a:noFill/>
-            <a:ln w="38100">
-              <a:solidFill>
-                <a:srgbClr val="A6A6A6"/>
-              </a:solidFill>
-              <a:prstDash val="sysDot"/>
-            </a:ln>
-          </p:spPr>
-          <p:style>
-            <a:lnRef idx="2">
-              <a:schemeClr val="accent1">
-                <a:shade val="50000"/>
+        </p:nvPicPr>
+        <p:blipFill>
+          <a:blip r:embed="rId7">
+            <a:duotone>
+              <a:schemeClr val="accent3">
+                <a:shade val="45000"/>
+                <a:satMod val="135000"/>
               </a:schemeClr>
-            </a:lnRef>
-            <a:fillRef idx="1">
-              <a:schemeClr val="accent1"/>
-            </a:fillRef>
-            <a:effectRef idx="0">
-              <a:schemeClr val="accent1"/>
-            </a:effectRef>
-            <a:fontRef idx="minor">
-              <a:schemeClr val="lt1"/>
-            </a:fontRef>
-          </p:style>
-          <p:txBody>
-            <a:bodyPr rtlCol="0" anchor="ctr"/>
-            <a:lstStyle/>
-            <a:p>
-              <a:pPr algn="ctr"/>
-              <a:endParaRPr lang="ko-KR" altLang="en-US"/>
-            </a:p>
-          </p:txBody>
-        </p:sp>
-      </p:grpSp>
-      <p:sp>
-        <p:nvSpPr>
-          <p:cNvPr id="49" name="TextBox 48"/>
-          <p:cNvSpPr txBox="1"/>
+              <a:prstClr val="white"/>
+            </a:duotone>
+          </a:blip>
+          <a:stretch>
+            <a:fillRect/>
+          </a:stretch>
+        </p:blipFill>
+        <p:spPr>
+          <a:xfrm rot="16200000">
+            <a:off x="9408767" y="748088"/>
+            <a:ext cx="784176" cy="739205"/>
+          </a:xfrm>
+          <a:prstGeom prst="rect">
+            <a:avLst/>
+          </a:prstGeom>
+        </p:spPr>
+      </p:pic>
+      <p:pic>
+        <p:nvPicPr>
+          <p:cNvPr id="60" name="그림 59"/>
+          <p:cNvPicPr>
+            <a:picLocks noChangeAspect="1"/>
+          </p:cNvPicPr>
           <p:nvPr/>
-        </p:nvSpPr>
+        </p:nvPicPr>
+        <p:blipFill>
+          <a:blip r:embed="rId7">
+            <a:duotone>
+              <a:schemeClr val="accent3">
+                <a:shade val="45000"/>
+                <a:satMod val="135000"/>
+              </a:schemeClr>
+              <a:prstClr val="white"/>
+            </a:duotone>
+          </a:blip>
+          <a:stretch>
+            <a:fillRect/>
+          </a:stretch>
+        </p:blipFill>
+        <p:spPr>
+          <a:xfrm rot="16200000">
+            <a:off x="9418053" y="2339201"/>
+            <a:ext cx="784176" cy="739205"/>
+          </a:xfrm>
+          <a:prstGeom prst="rect">
+            <a:avLst/>
+          </a:prstGeom>
+        </p:spPr>
+      </p:pic>
+      <p:pic>
+        <p:nvPicPr>
+          <p:cNvPr id="61" name="그림 60"/>
+          <p:cNvPicPr>
+            <a:picLocks noChangeAspect="1"/>
+          </p:cNvPicPr>
+          <p:nvPr/>
+        </p:nvPicPr>
+        <p:blipFill>
+          <a:blip r:embed="rId8">
+            <a:duotone>
+              <a:schemeClr val="accent3">
+                <a:shade val="45000"/>
+                <a:satMod val="135000"/>
+              </a:schemeClr>
+              <a:prstClr val="white"/>
+            </a:duotone>
+          </a:blip>
+          <a:stretch>
+            <a:fillRect/>
+          </a:stretch>
+        </p:blipFill>
         <p:spPr>
           <a:xfrm>
-            <a:off x="8562919" y="390715"/>
-            <a:ext cx="2004075" cy="276999"/>
+            <a:off x="10204895" y="395933"/>
+            <a:ext cx="1255565" cy="1386626"/>
+          </a:xfrm>
+          <a:prstGeom prst="rect">
+            <a:avLst/>
+          </a:prstGeom>
+        </p:spPr>
+      </p:pic>
+      <p:pic>
+        <p:nvPicPr>
+          <p:cNvPr id="62" name="그림 61"/>
+          <p:cNvPicPr>
+            <a:picLocks noChangeAspect="1"/>
+          </p:cNvPicPr>
+          <p:nvPr/>
+        </p:nvPicPr>
+        <p:blipFill>
+          <a:blip r:embed="rId9">
+            <a:duotone>
+              <a:schemeClr val="accent3">
+                <a:shade val="45000"/>
+                <a:satMod val="135000"/>
+              </a:schemeClr>
+              <a:prstClr val="white"/>
+            </a:duotone>
+          </a:blip>
+          <a:stretch>
+            <a:fillRect/>
+          </a:stretch>
+        </p:blipFill>
+        <p:spPr>
+          <a:xfrm>
+            <a:off x="10273749" y="2035008"/>
+            <a:ext cx="1157014" cy="1457269"/>
+          </a:xfrm>
+          <a:prstGeom prst="rect">
+            <a:avLst/>
+          </a:prstGeom>
+        </p:spPr>
+      </p:pic>
+      <p:pic>
+        <p:nvPicPr>
+          <p:cNvPr id="3076" name="Picture 4" descr="http://www.uugear.com/wordpress/wp-content/uploads/2014/12/01-366x366.jpg"/>
+          <p:cNvPicPr>
+            <a:picLocks noChangeAspect="1" noChangeArrowheads="1"/>
+          </p:cNvPicPr>
+          <p:nvPr/>
+        </p:nvPicPr>
+        <p:blipFill>
+          <a:blip r:embed="rId10" cstate="print">
+            <a:extLst>
+              <a:ext uri="{28A0092B-C50C-407E-A947-70E740481C1C}">
+                <a14:useLocalDpi xmlns:a14="http://schemas.microsoft.com/office/drawing/2010/main" val="0"/>
+              </a:ext>
+            </a:extLst>
+          </a:blip>
+          <a:srcRect/>
+          <a:stretch>
+            <a:fillRect/>
+          </a:stretch>
+        </p:blipFill>
+        <p:spPr bwMode="auto">
+          <a:xfrm>
+            <a:off x="5245555" y="1928256"/>
+            <a:ext cx="1085781" cy="1085781"/>
           </a:xfrm>
           <a:prstGeom prst="rect">
             <a:avLst/>
           </a:prstGeom>
           <a:noFill/>
-        </p:spPr>
-        <p:txBody>
-          <a:bodyPr wrap="none" rtlCol="0">
-            <a:spAutoFit/>
-          </a:bodyPr>
-          <a:lstStyle/>
-          <a:p>
-            <a:r>
-              <a:rPr lang="en-US" altLang="ko-KR" sz="1200" b="1" dirty="0" smtClean="0"/>
-              <a:t>Arduino + </a:t>
-            </a:r>
-            <a:r>
-              <a:rPr lang="en-US" altLang="ko-KR" sz="1200" b="1" dirty="0" smtClean="0"/>
-              <a:t>ZigBee </a:t>
-            </a:r>
-            <a:r>
-              <a:rPr lang="en-US" altLang="ko-KR" sz="1200" b="1" dirty="0" smtClean="0"/>
-              <a:t>module</a:t>
-            </a:r>
-            <a:endParaRPr lang="ko-KR" altLang="en-US" sz="1200" b="1" dirty="0"/>
-          </a:p>
-        </p:txBody>
-      </p:sp>
+          <a:extLst>
+            <a:ext uri="{909E8E84-426E-40DD-AFC4-6F175D3DCCD1}">
+              <a14:hiddenFill xmlns:a14="http://schemas.microsoft.com/office/drawing/2010/main">
+                <a:solidFill>
+                  <a:srgbClr val="FFFFFF"/>
+                </a:solidFill>
+              </a14:hiddenFill>
+            </a:ext>
+          </a:extLst>
+        </p:spPr>
+      </p:pic>
       <p:pic>
         <p:nvPicPr>
-          <p:cNvPr id="55" name="그림 54"/>
+          <p:cNvPr id="56" name="그림 55"/>
           <p:cNvPicPr>
             <a:picLocks noChangeAspect="1"/>
           </p:cNvPicPr>
@@ -13786,207 +13637,6 @@
           </a:stretch>
         </p:blipFill>
         <p:spPr>
-          <a:xfrm rot="16200000">
-            <a:off x="9237021" y="2021634"/>
-            <a:ext cx="784176" cy="739205"/>
-          </a:xfrm>
-          <a:prstGeom prst="rect">
-            <a:avLst/>
-          </a:prstGeom>
-        </p:spPr>
-      </p:pic>
-      <p:pic>
-        <p:nvPicPr>
-          <p:cNvPr id="59" name="그림 58"/>
-          <p:cNvPicPr>
-            <a:picLocks noChangeAspect="1"/>
-          </p:cNvPicPr>
-          <p:nvPr/>
-        </p:nvPicPr>
-        <p:blipFill>
-          <a:blip r:embed="rId11">
-            <a:duotone>
-              <a:schemeClr val="accent3">
-                <a:shade val="45000"/>
-                <a:satMod val="135000"/>
-              </a:schemeClr>
-              <a:prstClr val="white"/>
-            </a:duotone>
-          </a:blip>
-          <a:stretch>
-            <a:fillRect/>
-          </a:stretch>
-        </p:blipFill>
-        <p:spPr>
-          <a:xfrm rot="16200000">
-            <a:off x="9237022" y="3584190"/>
-            <a:ext cx="784176" cy="739205"/>
-          </a:xfrm>
-          <a:prstGeom prst="rect">
-            <a:avLst/>
-          </a:prstGeom>
-        </p:spPr>
-      </p:pic>
-      <p:pic>
-        <p:nvPicPr>
-          <p:cNvPr id="60" name="그림 59"/>
-          <p:cNvPicPr>
-            <a:picLocks noChangeAspect="1"/>
-          </p:cNvPicPr>
-          <p:nvPr/>
-        </p:nvPicPr>
-        <p:blipFill>
-          <a:blip r:embed="rId11">
-            <a:duotone>
-              <a:schemeClr val="accent3">
-                <a:shade val="45000"/>
-                <a:satMod val="135000"/>
-              </a:schemeClr>
-              <a:prstClr val="white"/>
-            </a:duotone>
-          </a:blip>
-          <a:stretch>
-            <a:fillRect/>
-          </a:stretch>
-        </p:blipFill>
-        <p:spPr>
-          <a:xfrm rot="16200000">
-            <a:off x="9237022" y="5219521"/>
-            <a:ext cx="784176" cy="739205"/>
-          </a:xfrm>
-          <a:prstGeom prst="rect">
-            <a:avLst/>
-          </a:prstGeom>
-        </p:spPr>
-      </p:pic>
-      <p:pic>
-        <p:nvPicPr>
-          <p:cNvPr id="61" name="그림 60"/>
-          <p:cNvPicPr>
-            <a:picLocks noChangeAspect="1"/>
-          </p:cNvPicPr>
-          <p:nvPr/>
-        </p:nvPicPr>
-        <p:blipFill>
-          <a:blip r:embed="rId12">
-            <a:duotone>
-              <a:schemeClr val="accent3">
-                <a:shade val="45000"/>
-                <a:satMod val="135000"/>
-              </a:schemeClr>
-              <a:prstClr val="white"/>
-            </a:duotone>
-          </a:blip>
-          <a:stretch>
-            <a:fillRect/>
-          </a:stretch>
-        </p:blipFill>
-        <p:spPr>
-          <a:xfrm>
-            <a:off x="10033150" y="3232035"/>
-            <a:ext cx="1255565" cy="1386626"/>
-          </a:xfrm>
-          <a:prstGeom prst="rect">
-            <a:avLst/>
-          </a:prstGeom>
-        </p:spPr>
-      </p:pic>
-      <p:pic>
-        <p:nvPicPr>
-          <p:cNvPr id="62" name="그림 61"/>
-          <p:cNvPicPr>
-            <a:picLocks noChangeAspect="1"/>
-          </p:cNvPicPr>
-          <p:nvPr/>
-        </p:nvPicPr>
-        <p:blipFill>
-          <a:blip r:embed="rId13">
-            <a:duotone>
-              <a:schemeClr val="accent3">
-                <a:shade val="45000"/>
-                <a:satMod val="135000"/>
-              </a:schemeClr>
-              <a:prstClr val="white"/>
-            </a:duotone>
-          </a:blip>
-          <a:stretch>
-            <a:fillRect/>
-          </a:stretch>
-        </p:blipFill>
-        <p:spPr>
-          <a:xfrm>
-            <a:off x="10092718" y="4915328"/>
-            <a:ext cx="1157014" cy="1457269"/>
-          </a:xfrm>
-          <a:prstGeom prst="rect">
-            <a:avLst/>
-          </a:prstGeom>
-        </p:spPr>
-      </p:pic>
-      <p:pic>
-        <p:nvPicPr>
-          <p:cNvPr id="3076" name="Picture 4" descr="http://www.uugear.com/wordpress/wp-content/uploads/2014/12/01-366x366.jpg"/>
-          <p:cNvPicPr>
-            <a:picLocks noChangeAspect="1" noChangeArrowheads="1"/>
-          </p:cNvPicPr>
-          <p:nvPr/>
-        </p:nvPicPr>
-        <p:blipFill>
-          <a:blip r:embed="rId14" cstate="print">
-            <a:extLst>
-              <a:ext uri="{28A0092B-C50C-407E-A947-70E740481C1C}">
-                <a14:useLocalDpi xmlns:a14="http://schemas.microsoft.com/office/drawing/2010/main" val="0"/>
-              </a:ext>
-            </a:extLst>
-          </a:blip>
-          <a:srcRect/>
-          <a:stretch>
-            <a:fillRect/>
-          </a:stretch>
-        </p:blipFill>
-        <p:spPr bwMode="auto">
-          <a:xfrm>
-            <a:off x="5245555" y="1928256"/>
-            <a:ext cx="1085781" cy="1085781"/>
-          </a:xfrm>
-          <a:prstGeom prst="rect">
-            <a:avLst/>
-          </a:prstGeom>
-          <a:noFill/>
-          <a:extLst>
-            <a:ext uri="{909E8E84-426E-40DD-AFC4-6F175D3DCCD1}">
-              <a14:hiddenFill xmlns:a14="http://schemas.microsoft.com/office/drawing/2010/main">
-                <a:solidFill>
-                  <a:srgbClr val="FFFFFF"/>
-                </a:solidFill>
-              </a14:hiddenFill>
-            </a:ext>
-          </a:extLst>
-        </p:spPr>
-      </p:pic>
-      <p:pic>
-        <p:nvPicPr>
-          <p:cNvPr id="56" name="그림 55"/>
-          <p:cNvPicPr>
-            <a:picLocks noChangeAspect="1"/>
-          </p:cNvPicPr>
-          <p:nvPr/>
-        </p:nvPicPr>
-        <p:blipFill>
-          <a:blip r:embed="rId15">
-            <a:duotone>
-              <a:schemeClr val="accent3">
-                <a:shade val="45000"/>
-                <a:satMod val="135000"/>
-              </a:schemeClr>
-              <a:prstClr val="white"/>
-            </a:duotone>
-          </a:blip>
-          <a:stretch>
-            <a:fillRect/>
-          </a:stretch>
-        </p:blipFill>
-        <p:spPr>
           <a:xfrm>
             <a:off x="4824462" y="1548061"/>
             <a:ext cx="818306" cy="768806"/>
@@ -14019,7 +13669,7 @@
             <p:nvPr/>
           </p:nvPicPr>
           <p:blipFill>
-            <a:blip r:embed="rId16" cstate="print">
+            <a:blip r:embed="rId12" cstate="print">
               <a:extLst>
                 <a:ext uri="{28A0092B-C50C-407E-A947-70E740481C1C}">
                   <a14:useLocalDpi xmlns:a14="http://schemas.microsoft.com/office/drawing/2010/main" val="0"/>
@@ -14091,7 +13741,7 @@
           <p:nvPr/>
         </p:nvPicPr>
         <p:blipFill>
-          <a:blip r:embed="rId17" cstate="print">
+          <a:blip r:embed="rId13" cstate="print">
             <a:extLst>
               <a:ext uri="{28A0092B-C50C-407E-A947-70E740481C1C}">
                 <a14:useLocalDpi xmlns:a14="http://schemas.microsoft.com/office/drawing/2010/main" val="0"/>
@@ -14121,6 +13771,494 @@
               </a14:hiddenFill>
             </a:ext>
           </a:extLst>
+        </p:spPr>
+      </p:pic>
+      <p:pic>
+        <p:nvPicPr>
+          <p:cNvPr id="4" name="그림 3"/>
+          <p:cNvPicPr>
+            <a:picLocks noChangeAspect="1"/>
+          </p:cNvPicPr>
+          <p:nvPr/>
+        </p:nvPicPr>
+        <p:blipFill>
+          <a:blip r:embed="rId14">
+            <a:duotone>
+              <a:schemeClr val="accent3">
+                <a:shade val="45000"/>
+                <a:satMod val="135000"/>
+              </a:schemeClr>
+              <a:prstClr val="white"/>
+            </a:duotone>
+          </a:blip>
+          <a:stretch>
+            <a:fillRect/>
+          </a:stretch>
+        </p:blipFill>
+        <p:spPr>
+          <a:xfrm>
+            <a:off x="10423809" y="5292477"/>
+            <a:ext cx="989744" cy="1051485"/>
+          </a:xfrm>
+          <a:prstGeom prst="rect">
+            <a:avLst/>
+          </a:prstGeom>
+        </p:spPr>
+      </p:pic>
+      <p:pic>
+        <p:nvPicPr>
+          <p:cNvPr id="6" name="그림 5"/>
+          <p:cNvPicPr>
+            <a:picLocks noChangeAspect="1"/>
+          </p:cNvPicPr>
+          <p:nvPr/>
+        </p:nvPicPr>
+        <p:blipFill>
+          <a:blip r:embed="rId15">
+            <a:duotone>
+              <a:schemeClr val="accent3">
+                <a:shade val="45000"/>
+                <a:satMod val="135000"/>
+              </a:schemeClr>
+              <a:prstClr val="white"/>
+            </a:duotone>
+          </a:blip>
+          <a:stretch>
+            <a:fillRect/>
+          </a:stretch>
+        </p:blipFill>
+        <p:spPr>
+          <a:xfrm>
+            <a:off x="10273749" y="4140349"/>
+            <a:ext cx="1289864" cy="934800"/>
+          </a:xfrm>
+          <a:prstGeom prst="rect">
+            <a:avLst/>
+          </a:prstGeom>
+        </p:spPr>
+      </p:pic>
+      <p:pic>
+        <p:nvPicPr>
+          <p:cNvPr id="40" name="Picture 24"/>
+          <p:cNvPicPr>
+            <a:picLocks noChangeAspect="1"/>
+          </p:cNvPicPr>
+          <p:nvPr/>
+        </p:nvPicPr>
+        <p:blipFill>
+          <a:blip r:embed="rId2" cstate="print">
+            <a:duotone>
+              <a:schemeClr val="accent3">
+                <a:shade val="45000"/>
+                <a:satMod val="135000"/>
+              </a:schemeClr>
+              <a:prstClr val="white"/>
+            </a:duotone>
+            <a:extLst>
+              <a:ext uri="{BEBA8EAE-BF5A-486C-A8C5-ECC9F3942E4B}">
+                <a14:imgProps xmlns:a14="http://schemas.microsoft.com/office/drawing/2010/main">
+                  <a14:imgLayer r:embed="rId3">
+                    <a14:imgEffect>
+                      <a14:backgroundRemoval t="1292" b="95866" l="2989" r="97011">
+                        <a14:foregroundMark x1="47283" y1="44444" x2="47283" y2="44444"/>
+                        <a14:foregroundMark x1="50951" y1="82946" x2="50951" y2="82946"/>
+                      </a14:backgroundRemoval>
+                    </a14:imgEffect>
+                  </a14:imgLayer>
+                </a14:imgProps>
+              </a:ext>
+              <a:ext uri="{28A0092B-C50C-407E-A947-70E740481C1C}">
+                <a14:useLocalDpi xmlns:a14="http://schemas.microsoft.com/office/drawing/2010/main" val="0"/>
+              </a:ext>
+            </a:extLst>
+          </a:blip>
+          <a:stretch>
+            <a:fillRect/>
+          </a:stretch>
+        </p:blipFill>
+        <p:spPr>
+          <a:xfrm rot="6995280">
+            <a:off x="6427810" y="4342016"/>
+            <a:ext cx="656045" cy="688238"/>
+          </a:xfrm>
+          <a:prstGeom prst="rect">
+            <a:avLst/>
+          </a:prstGeom>
+        </p:spPr>
+      </p:pic>
+      <p:pic>
+        <p:nvPicPr>
+          <p:cNvPr id="42" name="그림 41"/>
+          <p:cNvPicPr>
+            <a:picLocks noChangeAspect="1"/>
+          </p:cNvPicPr>
+          <p:nvPr/>
+        </p:nvPicPr>
+        <p:blipFill>
+          <a:blip r:embed="rId7">
+            <a:duotone>
+              <a:schemeClr val="accent3">
+                <a:shade val="45000"/>
+                <a:satMod val="135000"/>
+              </a:schemeClr>
+              <a:prstClr val="white"/>
+            </a:duotone>
+          </a:blip>
+          <a:stretch>
+            <a:fillRect/>
+          </a:stretch>
+        </p:blipFill>
+        <p:spPr>
+          <a:xfrm rot="16200000">
+            <a:off x="9418053" y="4217116"/>
+            <a:ext cx="784176" cy="739205"/>
+          </a:xfrm>
+          <a:prstGeom prst="rect">
+            <a:avLst/>
+          </a:prstGeom>
+        </p:spPr>
+      </p:pic>
+      <p:pic>
+        <p:nvPicPr>
+          <p:cNvPr id="43" name="그림 42"/>
+          <p:cNvPicPr>
+            <a:picLocks noChangeAspect="1"/>
+          </p:cNvPicPr>
+          <p:nvPr/>
+        </p:nvPicPr>
+        <p:blipFill>
+          <a:blip r:embed="rId7">
+            <a:duotone>
+              <a:schemeClr val="accent3">
+                <a:shade val="45000"/>
+                <a:satMod val="135000"/>
+              </a:schemeClr>
+              <a:prstClr val="white"/>
+            </a:duotone>
+          </a:blip>
+          <a:stretch>
+            <a:fillRect/>
+          </a:stretch>
+        </p:blipFill>
+        <p:spPr>
+          <a:xfrm rot="16200000">
+            <a:off x="9418054" y="5582271"/>
+            <a:ext cx="784176" cy="739205"/>
+          </a:xfrm>
+          <a:prstGeom prst="rect">
+            <a:avLst/>
+          </a:prstGeom>
+        </p:spPr>
+      </p:pic>
+      <p:grpSp>
+        <p:nvGrpSpPr>
+          <p:cNvPr id="7" name="그룹 6"/>
+          <p:cNvGrpSpPr/>
+          <p:nvPr/>
+        </p:nvGrpSpPr>
+        <p:grpSpPr>
+          <a:xfrm>
+            <a:off x="7463095" y="3709794"/>
+            <a:ext cx="1609041" cy="2950835"/>
+            <a:chOff x="7463095" y="3709794"/>
+            <a:chExt cx="1609041" cy="2950835"/>
+          </a:xfrm>
+        </p:grpSpPr>
+        <p:sp>
+          <p:nvSpPr>
+            <p:cNvPr id="37" name="모서리가 둥근 직사각형 36"/>
+            <p:cNvSpPr/>
+            <p:nvPr/>
+          </p:nvSpPr>
+          <p:spPr>
+            <a:xfrm>
+              <a:off x="7463095" y="3709794"/>
+              <a:ext cx="1609041" cy="2950835"/>
+            </a:xfrm>
+            <a:prstGeom prst="roundRect">
+              <a:avLst/>
+            </a:prstGeom>
+            <a:noFill/>
+            <a:ln w="38100">
+              <a:solidFill>
+                <a:srgbClr val="A6A6A6"/>
+              </a:solidFill>
+              <a:prstDash val="sysDot"/>
+            </a:ln>
+          </p:spPr>
+          <p:style>
+            <a:lnRef idx="2">
+              <a:schemeClr val="accent1">
+                <a:shade val="50000"/>
+              </a:schemeClr>
+            </a:lnRef>
+            <a:fillRef idx="1">
+              <a:schemeClr val="accent1"/>
+            </a:fillRef>
+            <a:effectRef idx="0">
+              <a:schemeClr val="accent1"/>
+            </a:effectRef>
+            <a:fontRef idx="minor">
+              <a:schemeClr val="lt1"/>
+            </a:fontRef>
+          </p:style>
+          <p:txBody>
+            <a:bodyPr rtlCol="0" anchor="ctr"/>
+            <a:lstStyle/>
+            <a:p>
+              <a:pPr algn="ctr"/>
+              <a:endParaRPr lang="ko-KR" altLang="en-US"/>
+            </a:p>
+          </p:txBody>
+        </p:sp>
+        <p:pic>
+          <p:nvPicPr>
+            <p:cNvPr id="44" name="그림 43"/>
+            <p:cNvPicPr>
+              <a:picLocks noChangeAspect="1"/>
+            </p:cNvPicPr>
+            <p:nvPr/>
+          </p:nvPicPr>
+          <p:blipFill>
+            <a:blip r:embed="rId16" cstate="print">
+              <a:duotone>
+                <a:schemeClr val="accent3">
+                  <a:shade val="45000"/>
+                  <a:satMod val="135000"/>
+                </a:schemeClr>
+                <a:prstClr val="white"/>
+              </a:duotone>
+              <a:extLst>
+                <a:ext uri="{28A0092B-C50C-407E-A947-70E740481C1C}">
+                  <a14:useLocalDpi xmlns:a14="http://schemas.microsoft.com/office/drawing/2010/main" val="0"/>
+                </a:ext>
+              </a:extLst>
+            </a:blip>
+            <a:stretch>
+              <a:fillRect/>
+            </a:stretch>
+          </p:blipFill>
+          <p:spPr>
+            <a:xfrm>
+              <a:off x="7885139" y="5292477"/>
+              <a:ext cx="747299" cy="1204720"/>
+            </a:xfrm>
+            <a:prstGeom prst="rect">
+              <a:avLst/>
+            </a:prstGeom>
+          </p:spPr>
+        </p:pic>
+        <p:pic>
+          <p:nvPicPr>
+            <p:cNvPr id="45" name="그림 44"/>
+            <p:cNvPicPr>
+              <a:picLocks noChangeAspect="1"/>
+            </p:cNvPicPr>
+            <p:nvPr/>
+          </p:nvPicPr>
+          <p:blipFill>
+            <a:blip r:embed="rId16" cstate="print">
+              <a:duotone>
+                <a:schemeClr val="accent3">
+                  <a:shade val="45000"/>
+                  <a:satMod val="135000"/>
+                </a:schemeClr>
+                <a:prstClr val="white"/>
+              </a:duotone>
+              <a:extLst>
+                <a:ext uri="{28A0092B-C50C-407E-A947-70E740481C1C}">
+                  <a14:useLocalDpi xmlns:a14="http://schemas.microsoft.com/office/drawing/2010/main" val="0"/>
+                </a:ext>
+              </a:extLst>
+            </a:blip>
+            <a:stretch>
+              <a:fillRect/>
+            </a:stretch>
+          </p:blipFill>
+          <p:spPr>
+            <a:xfrm>
+              <a:off x="7885139" y="3924325"/>
+              <a:ext cx="747299" cy="1204720"/>
+            </a:xfrm>
+            <a:prstGeom prst="rect">
+              <a:avLst/>
+            </a:prstGeom>
+          </p:spPr>
+        </p:pic>
+      </p:grpSp>
+      <p:grpSp>
+        <p:nvGrpSpPr>
+          <p:cNvPr id="46" name="그룹 45"/>
+          <p:cNvGrpSpPr/>
+          <p:nvPr/>
+        </p:nvGrpSpPr>
+        <p:grpSpPr>
+          <a:xfrm>
+            <a:off x="7449839" y="483524"/>
+            <a:ext cx="1609041" cy="2950835"/>
+            <a:chOff x="7463095" y="3709794"/>
+            <a:chExt cx="1609041" cy="2950835"/>
+          </a:xfrm>
+        </p:grpSpPr>
+        <p:sp>
+          <p:nvSpPr>
+            <p:cNvPr id="53" name="모서리가 둥근 직사각형 52"/>
+            <p:cNvSpPr/>
+            <p:nvPr/>
+          </p:nvSpPr>
+          <p:spPr>
+            <a:xfrm>
+              <a:off x="7463095" y="3709794"/>
+              <a:ext cx="1609041" cy="2950835"/>
+            </a:xfrm>
+            <a:prstGeom prst="roundRect">
+              <a:avLst/>
+            </a:prstGeom>
+            <a:noFill/>
+            <a:ln w="38100">
+              <a:solidFill>
+                <a:srgbClr val="A6A6A6"/>
+              </a:solidFill>
+              <a:prstDash val="sysDot"/>
+            </a:ln>
+          </p:spPr>
+          <p:style>
+            <a:lnRef idx="2">
+              <a:schemeClr val="accent1">
+                <a:shade val="50000"/>
+              </a:schemeClr>
+            </a:lnRef>
+            <a:fillRef idx="1">
+              <a:schemeClr val="accent1"/>
+            </a:fillRef>
+            <a:effectRef idx="0">
+              <a:schemeClr val="accent1"/>
+            </a:effectRef>
+            <a:fontRef idx="minor">
+              <a:schemeClr val="lt1"/>
+            </a:fontRef>
+          </p:style>
+          <p:txBody>
+            <a:bodyPr rtlCol="0" anchor="ctr"/>
+            <a:lstStyle/>
+            <a:p>
+              <a:pPr algn="ctr"/>
+              <a:endParaRPr lang="ko-KR" altLang="en-US"/>
+            </a:p>
+          </p:txBody>
+        </p:sp>
+        <p:pic>
+          <p:nvPicPr>
+            <p:cNvPr id="54" name="그림 53"/>
+            <p:cNvPicPr>
+              <a:picLocks noChangeAspect="1"/>
+            </p:cNvPicPr>
+            <p:nvPr/>
+          </p:nvPicPr>
+          <p:blipFill>
+            <a:blip r:embed="rId16" cstate="print">
+              <a:duotone>
+                <a:schemeClr val="accent3">
+                  <a:shade val="45000"/>
+                  <a:satMod val="135000"/>
+                </a:schemeClr>
+                <a:prstClr val="white"/>
+              </a:duotone>
+              <a:extLst>
+                <a:ext uri="{28A0092B-C50C-407E-A947-70E740481C1C}">
+                  <a14:useLocalDpi xmlns:a14="http://schemas.microsoft.com/office/drawing/2010/main" val="0"/>
+                </a:ext>
+              </a:extLst>
+            </a:blip>
+            <a:stretch>
+              <a:fillRect/>
+            </a:stretch>
+          </p:blipFill>
+          <p:spPr>
+            <a:xfrm>
+              <a:off x="7885139" y="5292477"/>
+              <a:ext cx="747299" cy="1204720"/>
+            </a:xfrm>
+            <a:prstGeom prst="rect">
+              <a:avLst/>
+            </a:prstGeom>
+          </p:spPr>
+        </p:pic>
+        <p:pic>
+          <p:nvPicPr>
+            <p:cNvPr id="57" name="그림 56"/>
+            <p:cNvPicPr>
+              <a:picLocks noChangeAspect="1"/>
+            </p:cNvPicPr>
+            <p:nvPr/>
+          </p:nvPicPr>
+          <p:blipFill>
+            <a:blip r:embed="rId16" cstate="print">
+              <a:duotone>
+                <a:schemeClr val="accent3">
+                  <a:shade val="45000"/>
+                  <a:satMod val="135000"/>
+                </a:schemeClr>
+                <a:prstClr val="white"/>
+              </a:duotone>
+              <a:extLst>
+                <a:ext uri="{28A0092B-C50C-407E-A947-70E740481C1C}">
+                  <a14:useLocalDpi xmlns:a14="http://schemas.microsoft.com/office/drawing/2010/main" val="0"/>
+                </a:ext>
+              </a:extLst>
+            </a:blip>
+            <a:stretch>
+              <a:fillRect/>
+            </a:stretch>
+          </p:blipFill>
+          <p:spPr>
+            <a:xfrm>
+              <a:off x="7885139" y="3924325"/>
+              <a:ext cx="747299" cy="1204720"/>
+            </a:xfrm>
+            <a:prstGeom prst="rect">
+              <a:avLst/>
+            </a:prstGeom>
+          </p:spPr>
+        </p:pic>
+      </p:grpSp>
+      <p:pic>
+        <p:nvPicPr>
+          <p:cNvPr id="19" name="Picture 16"/>
+          <p:cNvPicPr>
+            <a:picLocks noChangeAspect="1"/>
+          </p:cNvPicPr>
+          <p:nvPr/>
+        </p:nvPicPr>
+        <p:blipFill>
+          <a:blip r:embed="rId17" cstate="print">
+            <a:extLst>
+              <a:ext uri="{BEBA8EAE-BF5A-486C-A8C5-ECC9F3942E4B}">
+                <a14:imgProps xmlns:a14="http://schemas.microsoft.com/office/drawing/2010/main">
+                  <a14:imgLayer r:embed="rId18">
+                    <a14:imgEffect>
+                      <a14:backgroundRemoval t="4000" b="90000" l="10000" r="90000"/>
+                    </a14:imgEffect>
+                  </a14:imgLayer>
+                </a14:imgProps>
+              </a:ext>
+              <a:ext uri="{28A0092B-C50C-407E-A947-70E740481C1C}">
+                <a14:useLocalDpi xmlns:a14="http://schemas.microsoft.com/office/drawing/2010/main" val="0"/>
+              </a:ext>
+            </a:extLst>
+          </a:blip>
+          <a:stretch>
+            <a:fillRect/>
+          </a:stretch>
+        </p:blipFill>
+        <p:spPr>
+          <a:xfrm>
+            <a:off x="6819088" y="75342"/>
+            <a:ext cx="1181804" cy="1184687"/>
+          </a:xfrm>
+          <a:prstGeom prst="rect">
+            <a:avLst/>
+          </a:prstGeom>
         </p:spPr>
       </p:pic>
     </p:spTree>
@@ -14384,70 +14522,7 @@
                 <a:ea typeface="나눔고딕" panose="020D0604000000000000" pitchFamily="50" charset="-127"/>
                 <a:cs typeface="함초롬바탕" panose="02030604000101010101" pitchFamily="18" charset="-127"/>
               </a:rPr>
-              <a:t>- </a:t>
-            </a:r>
-            <a:r>
-              <a:rPr lang="en-US" altLang="ko-KR" sz="2400" b="1" dirty="0" smtClean="0">
-                <a:ln>
-                  <a:solidFill>
-                    <a:schemeClr val="bg1">
-                      <a:lumMod val="65000"/>
-                    </a:schemeClr>
-                  </a:solidFill>
-                </a:ln>
-                <a:solidFill>
-                  <a:schemeClr val="tx1">
-                    <a:lumMod val="75000"/>
-                    <a:lumOff val="25000"/>
-                  </a:schemeClr>
-                </a:solidFill>
-                <a:latin typeface="나눔고딕" panose="020D0604000000000000" pitchFamily="50" charset="-127"/>
-                <a:ea typeface="나눔고딕" panose="020D0604000000000000" pitchFamily="50" charset="-127"/>
-                <a:cs typeface="함초롬바탕" panose="02030604000101010101" pitchFamily="18" charset="-127"/>
-              </a:rPr>
-              <a:t>Speech</a:t>
-            </a:r>
-            <a:r>
-              <a:rPr lang="en-US" altLang="ko-KR" sz="2400" b="1" dirty="0" smtClean="0">
-                <a:ln>
-                  <a:solidFill>
-                    <a:schemeClr val="bg1">
-                      <a:lumMod val="65000"/>
-                    </a:schemeClr>
-                  </a:solidFill>
-                </a:ln>
-                <a:solidFill>
-                  <a:schemeClr val="tx1">
-                    <a:lumMod val="75000"/>
-                    <a:lumOff val="25000"/>
-                  </a:schemeClr>
-                </a:solidFill>
-                <a:latin typeface="나눔고딕" panose="020D0604000000000000" pitchFamily="50" charset="-127"/>
-                <a:ea typeface="나눔고딕" panose="020D0604000000000000" pitchFamily="50" charset="-127"/>
-                <a:cs typeface="함초롬바탕" panose="02030604000101010101" pitchFamily="18" charset="-127"/>
-              </a:rPr>
-              <a:t> </a:t>
-            </a:r>
-            <a:r>
-              <a:rPr lang="en-US" altLang="ko-KR" sz="2400" b="1" dirty="0" smtClean="0">
-                <a:ln>
-                  <a:solidFill>
-                    <a:schemeClr val="bg1">
-                      <a:lumMod val="65000"/>
-                    </a:schemeClr>
-                  </a:solidFill>
-                </a:ln>
-                <a:solidFill>
-                  <a:schemeClr val="tx1">
-                    <a:lumMod val="75000"/>
-                    <a:lumOff val="25000"/>
-                  </a:schemeClr>
-                </a:solidFill>
-                <a:latin typeface="나눔고딕" panose="020D0604000000000000" pitchFamily="50" charset="-127"/>
-                <a:ea typeface="나눔고딕" panose="020D0604000000000000" pitchFamily="50" charset="-127"/>
-                <a:cs typeface="함초롬바탕" panose="02030604000101010101" pitchFamily="18" charset="-127"/>
-              </a:rPr>
-              <a:t>to Text</a:t>
+              <a:t>- Speech to Text</a:t>
             </a:r>
           </a:p>
         </p:txBody>
@@ -15380,8 +15455,8 @@
         </p:nvSpPr>
         <p:spPr>
           <a:xfrm>
-            <a:off x="720555" y="2234621"/>
-            <a:ext cx="8568952" cy="3139321"/>
+            <a:off x="720554" y="2234621"/>
+            <a:ext cx="10872659" cy="3139321"/>
           </a:xfrm>
           <a:prstGeom prst="rect">
             <a:avLst/>
@@ -15421,10 +15496,10 @@
                 <a:ea typeface="나눔고딕" panose="020D0604000000000000" pitchFamily="50" charset="-127"/>
                 <a:cs typeface="함초롬바탕" panose="02030604000101010101" pitchFamily="18" charset="-127"/>
               </a:rPr>
-              <a:t>|  </a:t>
-            </a:r>
-            <a:r>
-              <a:rPr lang="en-US" altLang="ko-KR" sz="2800" b="1" dirty="0" err="1" smtClean="0">
+              <a:t>| </a:t>
+            </a:r>
+            <a:r>
+              <a:rPr lang="en-US" altLang="ko-KR" sz="2800" b="1" dirty="0" smtClean="0">
                 <a:ln>
                   <a:solidFill>
                     <a:schemeClr val="bg1">
@@ -15442,10 +15517,10 @@
                 <a:ea typeface="나눔고딕" panose="020D0604000000000000" pitchFamily="50" charset="-127"/>
                 <a:cs typeface="함초롬바탕" panose="02030604000101010101" pitchFamily="18" charset="-127"/>
               </a:rPr>
-              <a:t>T</a:t>
-            </a:r>
-            <a:r>
-              <a:rPr lang="en-US" altLang="ko-KR" sz="2400" b="1" dirty="0" err="1" smtClean="0">
+              <a:t> </a:t>
+            </a:r>
+            <a:r>
+              <a:rPr lang="en-US" altLang="ko-KR" sz="2800" b="1" dirty="0" smtClean="0">
                 <a:ln>
                   <a:solidFill>
                     <a:schemeClr val="bg1">
@@ -15463,7 +15538,175 @@
                 <a:ea typeface="나눔고딕" panose="020D0604000000000000" pitchFamily="50" charset="-127"/>
                 <a:cs typeface="함초롬바탕" panose="02030604000101010101" pitchFamily="18" charset="-127"/>
               </a:rPr>
-              <a:t>izen</a:t>
+              <a:t>O</a:t>
+            </a:r>
+            <a:r>
+              <a:rPr lang="en-US" altLang="ko-KR" sz="2400" b="1" dirty="0" smtClean="0">
+                <a:ln>
+                  <a:solidFill>
+                    <a:schemeClr val="bg1">
+                      <a:lumMod val="65000"/>
+                    </a:schemeClr>
+                  </a:solidFill>
+                </a:ln>
+                <a:solidFill>
+                  <a:schemeClr val="tx1">
+                    <a:lumMod val="75000"/>
+                    <a:lumOff val="25000"/>
+                  </a:schemeClr>
+                </a:solidFill>
+                <a:latin typeface="나눔고딕" panose="020D0604000000000000" pitchFamily="50" charset="-127"/>
+                <a:ea typeface="나눔고딕" panose="020D0604000000000000" pitchFamily="50" charset="-127"/>
+                <a:cs typeface="함초롬바탕" panose="02030604000101010101" pitchFamily="18" charset="-127"/>
+              </a:rPr>
+              <a:t>pen </a:t>
+            </a:r>
+            <a:r>
+              <a:rPr lang="en-US" altLang="ko-KR" sz="2400" b="1" dirty="0">
+                <a:ln>
+                  <a:solidFill>
+                    <a:schemeClr val="bg1">
+                      <a:lumMod val="65000"/>
+                    </a:schemeClr>
+                  </a:solidFill>
+                </a:ln>
+                <a:solidFill>
+                  <a:schemeClr val="tx1">
+                    <a:lumMod val="75000"/>
+                    <a:lumOff val="25000"/>
+                  </a:schemeClr>
+                </a:solidFill>
+                <a:latin typeface="나눔고딕" panose="020D0604000000000000" pitchFamily="50" charset="-127"/>
+                <a:ea typeface="나눔고딕" panose="020D0604000000000000" pitchFamily="50" charset="-127"/>
+                <a:cs typeface="함초롬바탕" panose="02030604000101010101" pitchFamily="18" charset="-127"/>
+              </a:rPr>
+              <a:t>Source</a:t>
+            </a:r>
+            <a:r>
+              <a:rPr lang="ko-KR" altLang="en-US" sz="2400" b="1" dirty="0">
+                <a:ln>
+                  <a:solidFill>
+                    <a:schemeClr val="bg1">
+                      <a:lumMod val="65000"/>
+                    </a:schemeClr>
+                  </a:solidFill>
+                </a:ln>
+                <a:solidFill>
+                  <a:schemeClr val="tx1">
+                    <a:lumMod val="75000"/>
+                    <a:lumOff val="25000"/>
+                  </a:schemeClr>
+                </a:solidFill>
+                <a:latin typeface="나눔고딕" panose="020D0604000000000000" pitchFamily="50" charset="-127"/>
+                <a:ea typeface="나눔고딕" panose="020D0604000000000000" pitchFamily="50" charset="-127"/>
+                <a:cs typeface="함초롬바탕" panose="02030604000101010101" pitchFamily="18" charset="-127"/>
+              </a:rPr>
+              <a:t>와 </a:t>
+            </a:r>
+            <a:r>
+              <a:rPr lang="en-US" altLang="ko-KR" sz="2400" b="1" dirty="0">
+                <a:ln>
+                  <a:solidFill>
+                    <a:schemeClr val="bg1">
+                      <a:lumMod val="65000"/>
+                    </a:schemeClr>
+                  </a:solidFill>
+                </a:ln>
+                <a:solidFill>
+                  <a:schemeClr val="tx1">
+                    <a:lumMod val="75000"/>
+                    <a:lumOff val="25000"/>
+                  </a:schemeClr>
+                </a:solidFill>
+                <a:latin typeface="나눔고딕" panose="020D0604000000000000" pitchFamily="50" charset="-127"/>
+                <a:ea typeface="나눔고딕" panose="020D0604000000000000" pitchFamily="50" charset="-127"/>
+                <a:cs typeface="함초롬바탕" panose="02030604000101010101" pitchFamily="18" charset="-127"/>
+              </a:rPr>
+              <a:t>API</a:t>
+            </a:r>
+            <a:r>
+              <a:rPr lang="ko-KR" altLang="en-US" sz="2400" b="1" dirty="0">
+                <a:ln>
+                  <a:solidFill>
+                    <a:schemeClr val="bg1">
+                      <a:lumMod val="65000"/>
+                    </a:schemeClr>
+                  </a:solidFill>
+                </a:ln>
+                <a:solidFill>
+                  <a:schemeClr val="tx1">
+                    <a:lumMod val="75000"/>
+                    <a:lumOff val="25000"/>
+                  </a:schemeClr>
+                </a:solidFill>
+                <a:latin typeface="나눔고딕" panose="020D0604000000000000" pitchFamily="50" charset="-127"/>
+                <a:ea typeface="나눔고딕" panose="020D0604000000000000" pitchFamily="50" charset="-127"/>
+                <a:cs typeface="함초롬바탕" panose="02030604000101010101" pitchFamily="18" charset="-127"/>
+              </a:rPr>
+              <a:t>를 활용한 </a:t>
+            </a:r>
+            <a:r>
+              <a:rPr lang="en-US" altLang="ko-KR" sz="2400" b="1" dirty="0" smtClean="0">
+                <a:ln>
+                  <a:solidFill>
+                    <a:schemeClr val="bg1">
+                      <a:lumMod val="65000"/>
+                    </a:schemeClr>
+                  </a:solidFill>
+                </a:ln>
+                <a:solidFill>
+                  <a:schemeClr val="tx1">
+                    <a:lumMod val="75000"/>
+                    <a:lumOff val="25000"/>
+                  </a:schemeClr>
+                </a:solidFill>
+                <a:latin typeface="나눔고딕" panose="020D0604000000000000" pitchFamily="50" charset="-127"/>
+                <a:ea typeface="나눔고딕" panose="020D0604000000000000" pitchFamily="50" charset="-127"/>
+                <a:cs typeface="함초롬바탕" panose="02030604000101010101" pitchFamily="18" charset="-127"/>
+              </a:rPr>
+              <a:t>W</a:t>
+            </a:r>
+            <a:r>
+              <a:rPr lang="en-US" altLang="ko-KR" sz="2400" b="1" dirty="0" smtClean="0">
+                <a:ln>
+                  <a:solidFill>
+                    <a:schemeClr val="bg1">
+                      <a:lumMod val="65000"/>
+                    </a:schemeClr>
+                  </a:solidFill>
+                </a:ln>
+                <a:solidFill>
+                  <a:schemeClr val="tx1">
+                    <a:lumMod val="75000"/>
+                    <a:lumOff val="25000"/>
+                  </a:schemeClr>
+                </a:solidFill>
+                <a:latin typeface="나눔고딕" panose="020D0604000000000000" pitchFamily="50" charset="-127"/>
+                <a:ea typeface="나눔고딕" panose="020D0604000000000000" pitchFamily="50" charset="-127"/>
+                <a:cs typeface="함초롬바탕" panose="02030604000101010101" pitchFamily="18" charset="-127"/>
+              </a:rPr>
+              <a:t>earable </a:t>
+            </a:r>
+            <a:r>
+              <a:rPr lang="en-US" altLang="ko-KR" sz="2400" b="1" dirty="0" smtClean="0">
+                <a:ln>
+                  <a:solidFill>
+                    <a:schemeClr val="bg1">
+                      <a:lumMod val="65000"/>
+                    </a:schemeClr>
+                  </a:solidFill>
+                </a:ln>
+                <a:solidFill>
+                  <a:schemeClr val="tx1">
+                    <a:lumMod val="75000"/>
+                    <a:lumOff val="25000"/>
+                  </a:schemeClr>
+                </a:solidFill>
+                <a:latin typeface="나눔고딕" panose="020D0604000000000000" pitchFamily="50" charset="-127"/>
+                <a:ea typeface="나눔고딕" panose="020D0604000000000000" pitchFamily="50" charset="-127"/>
+                <a:cs typeface="함초롬바탕" panose="02030604000101010101" pitchFamily="18" charset="-127"/>
+              </a:rPr>
+              <a:t>Device </a:t>
             </a:r>
             <a:r>
               <a:rPr lang="ko-KR" altLang="en-US" sz="2400" b="1" dirty="0" smtClean="0">
@@ -15484,7 +15727,7 @@
                 <a:ea typeface="나눔고딕" panose="020D0604000000000000" pitchFamily="50" charset="-127"/>
                 <a:cs typeface="함초롬바탕" panose="02030604000101010101" pitchFamily="18" charset="-127"/>
               </a:rPr>
-              <a:t>을 활용한 </a:t>
+              <a:t>음성인식 </a:t>
             </a:r>
             <a:r>
               <a:rPr lang="en-US" altLang="ko-KR" sz="2400" b="1" dirty="0" smtClean="0">
@@ -15505,7 +15748,7 @@
                 <a:ea typeface="나눔고딕" panose="020D0604000000000000" pitchFamily="50" charset="-127"/>
                 <a:cs typeface="함초롬바탕" panose="02030604000101010101" pitchFamily="18" charset="-127"/>
               </a:rPr>
-              <a:t>Wearable Device Application</a:t>
+              <a:t>Application</a:t>
             </a:r>
             <a:r>
               <a:rPr lang="ko-KR" altLang="en-US" sz="2400" b="1" dirty="0" smtClean="0">
@@ -15526,7 +15769,28 @@
                 <a:ea typeface="나눔고딕" panose="020D0604000000000000" pitchFamily="50" charset="-127"/>
                 <a:cs typeface="함초롬바탕" panose="02030604000101010101" pitchFamily="18" charset="-127"/>
               </a:rPr>
-              <a:t> 개발</a:t>
+              <a:t> </a:t>
+            </a:r>
+            <a:r>
+              <a:rPr lang="ko-KR" altLang="en-US" sz="2400" b="1" dirty="0" smtClean="0">
+                <a:ln>
+                  <a:solidFill>
+                    <a:schemeClr val="bg1">
+                      <a:lumMod val="65000"/>
+                    </a:schemeClr>
+                  </a:solidFill>
+                </a:ln>
+                <a:solidFill>
+                  <a:schemeClr val="tx1">
+                    <a:lumMod val="75000"/>
+                    <a:lumOff val="25000"/>
+                  </a:schemeClr>
+                </a:solidFill>
+                <a:latin typeface="나눔고딕" panose="020D0604000000000000" pitchFamily="50" charset="-127"/>
+                <a:ea typeface="나눔고딕" panose="020D0604000000000000" pitchFamily="50" charset="-127"/>
+                <a:cs typeface="함초롬바탕" panose="02030604000101010101" pitchFamily="18" charset="-127"/>
+              </a:rPr>
+              <a:t>개발</a:t>
             </a:r>
             <a:endParaRPr lang="en-US" altLang="ko-KR" sz="2400" b="1" dirty="0" smtClean="0">
               <a:ln>
@@ -15572,10 +15836,10 @@
                 <a:ea typeface="나눔고딕" panose="020D0604000000000000" pitchFamily="50" charset="-127"/>
                 <a:cs typeface="함초롬바탕" panose="02030604000101010101" pitchFamily="18" charset="-127"/>
               </a:rPr>
-              <a:t>|  O</a:t>
-            </a:r>
-            <a:r>
-              <a:rPr lang="en-US" altLang="ko-KR" sz="2400" b="1" dirty="0" smtClean="0">
+              <a:t>| </a:t>
+            </a:r>
+            <a:r>
+              <a:rPr lang="en-US" altLang="ko-KR" sz="2800" b="1" dirty="0" smtClean="0">
                 <a:ln>
                   <a:solidFill>
                     <a:schemeClr val="bg1">
@@ -15593,10 +15857,10 @@
                 <a:ea typeface="나눔고딕" panose="020D0604000000000000" pitchFamily="50" charset="-127"/>
                 <a:cs typeface="함초롬바탕" panose="02030604000101010101" pitchFamily="18" charset="-127"/>
               </a:rPr>
-              <a:t>pen </a:t>
-            </a:r>
-            <a:r>
-              <a:rPr lang="en-US" altLang="ko-KR" sz="2400" b="1" dirty="0" smtClean="0">
+              <a:t> </a:t>
+            </a:r>
+            <a:r>
+              <a:rPr lang="ko-KR" altLang="en-US" sz="2800" b="1" dirty="0" smtClean="0">
                 <a:ln>
                   <a:solidFill>
                     <a:schemeClr val="bg1">
@@ -15614,7 +15878,7 @@
                 <a:ea typeface="나눔고딕" panose="020D0604000000000000" pitchFamily="50" charset="-127"/>
                 <a:cs typeface="함초롬바탕" panose="02030604000101010101" pitchFamily="18" charset="-127"/>
               </a:rPr>
-              <a:t>Source</a:t>
+              <a:t>모</a:t>
             </a:r>
             <a:r>
               <a:rPr lang="ko-KR" altLang="en-US" sz="2400" b="1" dirty="0" smtClean="0">
@@ -15635,51 +15899,9 @@
                 <a:ea typeface="나눔고딕" panose="020D0604000000000000" pitchFamily="50" charset="-127"/>
                 <a:cs typeface="함초롬바탕" panose="02030604000101010101" pitchFamily="18" charset="-127"/>
               </a:rPr>
-              <a:t>와 </a:t>
-            </a:r>
-            <a:r>
-              <a:rPr lang="en-US" altLang="ko-KR" sz="2400" b="1" dirty="0" smtClean="0">
-                <a:ln>
-                  <a:solidFill>
-                    <a:schemeClr val="bg1">
-                      <a:lumMod val="65000"/>
-                    </a:schemeClr>
-                  </a:solidFill>
-                </a:ln>
-                <a:solidFill>
-                  <a:schemeClr val="tx1">
-                    <a:lumMod val="75000"/>
-                    <a:lumOff val="25000"/>
-                  </a:schemeClr>
-                </a:solidFill>
-                <a:latin typeface="나눔고딕" panose="020D0604000000000000" pitchFamily="50" charset="-127"/>
-                <a:ea typeface="나눔고딕" panose="020D0604000000000000" pitchFamily="50" charset="-127"/>
-                <a:cs typeface="함초롬바탕" panose="02030604000101010101" pitchFamily="18" charset="-127"/>
-              </a:rPr>
-              <a:t>API</a:t>
-            </a:r>
-            <a:r>
-              <a:rPr lang="ko-KR" altLang="en-US" sz="2400" b="1" dirty="0" smtClean="0">
-                <a:ln>
-                  <a:solidFill>
-                    <a:schemeClr val="bg1">
-                      <a:lumMod val="65000"/>
-                    </a:schemeClr>
-                  </a:solidFill>
-                </a:ln>
-                <a:solidFill>
-                  <a:schemeClr val="tx1">
-                    <a:lumMod val="75000"/>
-                    <a:lumOff val="25000"/>
-                  </a:schemeClr>
-                </a:solidFill>
-                <a:latin typeface="나눔고딕" panose="020D0604000000000000" pitchFamily="50" charset="-127"/>
-                <a:ea typeface="나눔고딕" panose="020D0604000000000000" pitchFamily="50" charset="-127"/>
-                <a:cs typeface="함초롬바탕" panose="02030604000101010101" pitchFamily="18" charset="-127"/>
-              </a:rPr>
-              <a:t>를 활용한 음성인식 기능 구현</a:t>
-            </a:r>
-            <a:endParaRPr lang="en-US" altLang="ko-KR" sz="2400" b="1" dirty="0" smtClean="0">
+              <a:t>든 가전제품에 대응할 수 있도록 범용성을 갖추기</a:t>
+            </a:r>
+            <a:endParaRPr lang="en-US" altLang="ko-KR" sz="2800" b="1" dirty="0" smtClean="0">
               <a:ln>
                 <a:solidFill>
                   <a:schemeClr val="bg1">
@@ -15765,51 +15987,9 @@
                 <a:ea typeface="나눔고딕" panose="020D0604000000000000" pitchFamily="50" charset="-127"/>
                 <a:cs typeface="함초롬바탕" panose="02030604000101010101" pitchFamily="18" charset="-127"/>
               </a:rPr>
-              <a:t>로 </a:t>
-            </a:r>
-            <a:r>
-              <a:rPr lang="ko-KR" altLang="en-US" sz="2400" b="1" dirty="0" smtClean="0">
-                <a:ln>
-                  <a:solidFill>
-                    <a:schemeClr val="bg1">
-                      <a:lumMod val="65000"/>
-                    </a:schemeClr>
-                  </a:solidFill>
-                </a:ln>
-                <a:solidFill>
-                  <a:schemeClr val="tx1">
-                    <a:lumMod val="75000"/>
-                    <a:lumOff val="25000"/>
-                  </a:schemeClr>
-                </a:solidFill>
-                <a:latin typeface="나눔고딕" panose="020D0604000000000000" pitchFamily="50" charset="-127"/>
-                <a:ea typeface="나눔고딕" panose="020D0604000000000000" pitchFamily="50" charset="-127"/>
-                <a:cs typeface="함초롬바탕" panose="02030604000101010101" pitchFamily="18" charset="-127"/>
-              </a:rPr>
-              <a:t>구성과 같은 하드웨어적인 </a:t>
-            </a:r>
-            <a:r>
-              <a:rPr lang="ko-KR" altLang="en-US" sz="2400" b="1" dirty="0" smtClean="0">
-                <a:ln>
-                  <a:solidFill>
-                    <a:schemeClr val="bg1">
-                      <a:lumMod val="65000"/>
-                    </a:schemeClr>
-                  </a:solidFill>
-                </a:ln>
-                <a:solidFill>
-                  <a:schemeClr val="tx1">
-                    <a:lumMod val="75000"/>
-                    <a:lumOff val="25000"/>
-                  </a:schemeClr>
-                </a:solidFill>
-                <a:latin typeface="나눔고딕" panose="020D0604000000000000" pitchFamily="50" charset="-127"/>
-                <a:ea typeface="나눔고딕" panose="020D0604000000000000" pitchFamily="50" charset="-127"/>
-                <a:cs typeface="함초롬바탕" panose="02030604000101010101" pitchFamily="18" charset="-127"/>
-              </a:rPr>
-              <a:t>요소 제작</a:t>
-            </a:r>
-            <a:endParaRPr lang="en-US" altLang="ko-KR" sz="2400" b="1" dirty="0">
+              <a:t>로 구성과 같은 하드웨어적인 요소 제작</a:t>
+            </a:r>
+            <a:endParaRPr lang="en-US" altLang="ko-KR" sz="2400" b="1" dirty="0" smtClean="0">
               <a:ln>
                 <a:solidFill>
                   <a:schemeClr val="bg1">
@@ -15928,23 +16108,7 @@
                 <a:ea typeface="나눔고딕" panose="020D0604000000000000" pitchFamily="50" charset="-127"/>
                 <a:cs typeface="함초롬바탕" panose="02030604000101010101" pitchFamily="18" charset="-127"/>
               </a:rPr>
-              <a:t>꽂아두면 완성되는 </a:t>
-            </a:r>
-            <a:r>
-              <a:rPr lang="ko-KR" altLang="en-US" sz="3200" b="1" dirty="0" smtClean="0">
-                <a:ln>
-                  <a:solidFill>
-                    <a:srgbClr val="A6A6A6"/>
-                  </a:solidFill>
-                </a:ln>
-                <a:solidFill>
-                  <a:srgbClr val="595959"/>
-                </a:solidFill>
-                <a:latin typeface="나눔고딕" panose="020D0604000000000000" pitchFamily="50" charset="-127"/>
-                <a:ea typeface="나눔고딕" panose="020D0604000000000000" pitchFamily="50" charset="-127"/>
-                <a:cs typeface="함초롬바탕" panose="02030604000101010101" pitchFamily="18" charset="-127"/>
-              </a:rPr>
-              <a:t>듣는 </a:t>
+              <a:t>꽂아두면 완성되는 듣는 </a:t>
             </a:r>
             <a:r>
               <a:rPr lang="en-US" altLang="ko-KR" sz="3200" b="1" dirty="0" smtClean="0">
@@ -15960,23 +16124,7 @@
                 <a:ea typeface="나눔고딕" panose="020D0604000000000000" pitchFamily="50" charset="-127"/>
                 <a:cs typeface="함초롬바탕" panose="02030604000101010101" pitchFamily="18" charset="-127"/>
               </a:rPr>
-              <a:t>Smart </a:t>
-            </a:r>
-            <a:r>
-              <a:rPr lang="en-US" altLang="ko-KR" sz="3200" b="1" dirty="0" smtClean="0">
-                <a:ln>
-                  <a:solidFill>
-                    <a:srgbClr val="A6A6A6"/>
-                  </a:solidFill>
-                </a:ln>
-                <a:solidFill>
-                  <a:srgbClr val="595959"/>
-                </a:solidFill>
-                <a:latin typeface="나눔고딕" panose="020D0604000000000000" pitchFamily="50" charset="-127"/>
-                <a:ea typeface="나눔고딕" panose="020D0604000000000000" pitchFamily="50" charset="-127"/>
-                <a:cs typeface="함초롬바탕" panose="02030604000101010101" pitchFamily="18" charset="-127"/>
-              </a:rPr>
-              <a:t>Home. </a:t>
+              <a:t>Smart Home. </a:t>
             </a:r>
             <a:r>
               <a:rPr lang="en-US" altLang="ko-KR" sz="3200" b="1" dirty="0" smtClean="0">

--- a/Presentation/Concept_presentation.pptx
+++ b/Presentation/Concept_presentation.pptx
@@ -9394,7 +9394,7 @@
         </p:nvSpPr>
         <p:spPr>
           <a:xfrm>
-            <a:off x="6552654" y="5602688"/>
+            <a:off x="6768678" y="5611867"/>
             <a:ext cx="4176464" cy="184666"/>
           </a:xfrm>
           <a:prstGeom prst="rect">
@@ -9555,33 +9555,7 @@
                   <a:srgbClr val="595959"/>
                 </a:solidFill>
               </a:rPr>
-              <a:t>github.com/</a:t>
-            </a:r>
-            <a:r>
-              <a:rPr lang="en-US" altLang="ko-KR" sz="1200" dirty="0" err="1" smtClean="0">
-                <a:ln>
-                  <a:solidFill>
-                    <a:srgbClr val="A6A6A6"/>
-                  </a:solidFill>
-                </a:ln>
-                <a:solidFill>
-                  <a:srgbClr val="595959"/>
-                </a:solidFill>
-              </a:rPr>
-              <a:t>Ajou-masinda</a:t>
-            </a:r>
-            <a:r>
-              <a:rPr lang="en-US" altLang="ko-KR" sz="1200" dirty="0" smtClean="0">
-                <a:ln>
-                  <a:solidFill>
-                    <a:srgbClr val="A6A6A6"/>
-                  </a:solidFill>
-                </a:ln>
-                <a:solidFill>
-                  <a:srgbClr val="595959"/>
-                </a:solidFill>
-              </a:rPr>
-              <a:t>/</a:t>
+              <a:t>ajou-masinda.github.io/</a:t>
             </a:r>
             <a:r>
               <a:rPr lang="en-US" altLang="ko-KR" sz="1200" dirty="0" err="1" smtClean="0">
@@ -12368,28 +12342,7 @@
                 <a:ea typeface="나눔고딕" panose="020D0604000000000000" pitchFamily="50" charset="-127"/>
                 <a:cs typeface="함초롬바탕" panose="02030604000101010101" pitchFamily="18" charset="-127"/>
               </a:rPr>
-              <a:t>마트폰 </a:t>
-            </a:r>
-            <a:r>
-              <a:rPr lang="ko-KR" altLang="en-US" sz="2400" b="1" dirty="0" smtClean="0">
-                <a:ln>
-                  <a:solidFill>
-                    <a:schemeClr val="bg1">
-                      <a:lumMod val="65000"/>
-                    </a:schemeClr>
-                  </a:solidFill>
-                </a:ln>
-                <a:solidFill>
-                  <a:schemeClr val="tx1">
-                    <a:lumMod val="75000"/>
-                    <a:lumOff val="25000"/>
-                  </a:schemeClr>
-                </a:solidFill>
-                <a:latin typeface="나눔고딕" panose="020D0604000000000000" pitchFamily="50" charset="-127"/>
-                <a:ea typeface="나눔고딕" panose="020D0604000000000000" pitchFamily="50" charset="-127"/>
-                <a:cs typeface="함초롬바탕" panose="02030604000101010101" pitchFamily="18" charset="-127"/>
-              </a:rPr>
-              <a:t>어플리케이션에서 기기를 일일이 선택하여 관리함</a:t>
+              <a:t>마트폰 어플리케이션에서 기기를 일일이 선택하여 관리함</a:t>
             </a:r>
             <a:endParaRPr lang="en-US" altLang="ko-KR" sz="2400" b="1" dirty="0">
               <a:ln>
@@ -15496,49 +15449,7 @@
                 <a:ea typeface="나눔고딕" panose="020D0604000000000000" pitchFamily="50" charset="-127"/>
                 <a:cs typeface="함초롬바탕" panose="02030604000101010101" pitchFamily="18" charset="-127"/>
               </a:rPr>
-              <a:t>| </a:t>
-            </a:r>
-            <a:r>
-              <a:rPr lang="en-US" altLang="ko-KR" sz="2800" b="1" dirty="0" smtClean="0">
-                <a:ln>
-                  <a:solidFill>
-                    <a:schemeClr val="bg1">
-                      <a:lumMod val="65000"/>
-                    </a:schemeClr>
-                  </a:solidFill>
-                </a:ln>
-                <a:solidFill>
-                  <a:schemeClr val="tx1">
-                    <a:lumMod val="75000"/>
-                    <a:lumOff val="25000"/>
-                  </a:schemeClr>
-                </a:solidFill>
-                <a:latin typeface="나눔고딕" panose="020D0604000000000000" pitchFamily="50" charset="-127"/>
-                <a:ea typeface="나눔고딕" panose="020D0604000000000000" pitchFamily="50" charset="-127"/>
-                <a:cs typeface="함초롬바탕" panose="02030604000101010101" pitchFamily="18" charset="-127"/>
-              </a:rPr>
-              <a:t> </a:t>
-            </a:r>
-            <a:r>
-              <a:rPr lang="en-US" altLang="ko-KR" sz="2800" b="1" dirty="0" smtClean="0">
-                <a:ln>
-                  <a:solidFill>
-                    <a:schemeClr val="bg1">
-                      <a:lumMod val="65000"/>
-                    </a:schemeClr>
-                  </a:solidFill>
-                </a:ln>
-                <a:solidFill>
-                  <a:schemeClr val="tx1">
-                    <a:lumMod val="75000"/>
-                    <a:lumOff val="25000"/>
-                  </a:schemeClr>
-                </a:solidFill>
-                <a:latin typeface="나눔고딕" panose="020D0604000000000000" pitchFamily="50" charset="-127"/>
-                <a:ea typeface="나눔고딕" panose="020D0604000000000000" pitchFamily="50" charset="-127"/>
-                <a:cs typeface="함초롬바탕" panose="02030604000101010101" pitchFamily="18" charset="-127"/>
-              </a:rPr>
-              <a:t>O</a:t>
+              <a:t>|  O</a:t>
             </a:r>
             <a:r>
               <a:rPr lang="en-US" altLang="ko-KR" sz="2400" b="1" dirty="0" smtClean="0">
@@ -15664,7 +15575,28 @@
                 <a:ea typeface="나눔고딕" panose="020D0604000000000000" pitchFamily="50" charset="-127"/>
                 <a:cs typeface="함초롬바탕" panose="02030604000101010101" pitchFamily="18" charset="-127"/>
               </a:rPr>
-              <a:t>W</a:t>
+              <a:t>Wearable Device </a:t>
+            </a:r>
+            <a:r>
+              <a:rPr lang="ko-KR" altLang="en-US" sz="2400" b="1" dirty="0" smtClean="0">
+                <a:ln>
+                  <a:solidFill>
+                    <a:schemeClr val="bg1">
+                      <a:lumMod val="65000"/>
+                    </a:schemeClr>
+                  </a:solidFill>
+                </a:ln>
+                <a:solidFill>
+                  <a:schemeClr val="tx1">
+                    <a:lumMod val="75000"/>
+                    <a:lumOff val="25000"/>
+                  </a:schemeClr>
+                </a:solidFill>
+                <a:latin typeface="나눔고딕" panose="020D0604000000000000" pitchFamily="50" charset="-127"/>
+                <a:ea typeface="나눔고딕" panose="020D0604000000000000" pitchFamily="50" charset="-127"/>
+                <a:cs typeface="함초롬바탕" panose="02030604000101010101" pitchFamily="18" charset="-127"/>
+              </a:rPr>
+              <a:t>음성인식 </a:t>
             </a:r>
             <a:r>
               <a:rPr lang="en-US" altLang="ko-KR" sz="2400" b="1" dirty="0" smtClean="0">
@@ -15685,28 +15617,7 @@
                 <a:ea typeface="나눔고딕" panose="020D0604000000000000" pitchFamily="50" charset="-127"/>
                 <a:cs typeface="함초롬바탕" panose="02030604000101010101" pitchFamily="18" charset="-127"/>
               </a:rPr>
-              <a:t>earable </a:t>
-            </a:r>
-            <a:r>
-              <a:rPr lang="en-US" altLang="ko-KR" sz="2400" b="1" dirty="0" smtClean="0">
-                <a:ln>
-                  <a:solidFill>
-                    <a:schemeClr val="bg1">
-                      <a:lumMod val="65000"/>
-                    </a:schemeClr>
-                  </a:solidFill>
-                </a:ln>
-                <a:solidFill>
-                  <a:schemeClr val="tx1">
-                    <a:lumMod val="75000"/>
-                    <a:lumOff val="25000"/>
-                  </a:schemeClr>
-                </a:solidFill>
-                <a:latin typeface="나눔고딕" panose="020D0604000000000000" pitchFamily="50" charset="-127"/>
-                <a:ea typeface="나눔고딕" panose="020D0604000000000000" pitchFamily="50" charset="-127"/>
-                <a:cs typeface="함초롬바탕" panose="02030604000101010101" pitchFamily="18" charset="-127"/>
-              </a:rPr>
-              <a:t>Device </a:t>
+              <a:t>Application</a:t>
             </a:r>
             <a:r>
               <a:rPr lang="ko-KR" altLang="en-US" sz="2400" b="1" dirty="0" smtClean="0">
@@ -15727,70 +15638,7 @@
                 <a:ea typeface="나눔고딕" panose="020D0604000000000000" pitchFamily="50" charset="-127"/>
                 <a:cs typeface="함초롬바탕" panose="02030604000101010101" pitchFamily="18" charset="-127"/>
               </a:rPr>
-              <a:t>음성인식 </a:t>
-            </a:r>
-            <a:r>
-              <a:rPr lang="en-US" altLang="ko-KR" sz="2400" b="1" dirty="0" smtClean="0">
-                <a:ln>
-                  <a:solidFill>
-                    <a:schemeClr val="bg1">
-                      <a:lumMod val="65000"/>
-                    </a:schemeClr>
-                  </a:solidFill>
-                </a:ln>
-                <a:solidFill>
-                  <a:schemeClr val="tx1">
-                    <a:lumMod val="75000"/>
-                    <a:lumOff val="25000"/>
-                  </a:schemeClr>
-                </a:solidFill>
-                <a:latin typeface="나눔고딕" panose="020D0604000000000000" pitchFamily="50" charset="-127"/>
-                <a:ea typeface="나눔고딕" panose="020D0604000000000000" pitchFamily="50" charset="-127"/>
-                <a:cs typeface="함초롬바탕" panose="02030604000101010101" pitchFamily="18" charset="-127"/>
-              </a:rPr>
-              <a:t>Application</a:t>
-            </a:r>
-            <a:r>
-              <a:rPr lang="ko-KR" altLang="en-US" sz="2400" b="1" dirty="0" smtClean="0">
-                <a:ln>
-                  <a:solidFill>
-                    <a:schemeClr val="bg1">
-                      <a:lumMod val="65000"/>
-                    </a:schemeClr>
-                  </a:solidFill>
-                </a:ln>
-                <a:solidFill>
-                  <a:schemeClr val="tx1">
-                    <a:lumMod val="75000"/>
-                    <a:lumOff val="25000"/>
-                  </a:schemeClr>
-                </a:solidFill>
-                <a:latin typeface="나눔고딕" panose="020D0604000000000000" pitchFamily="50" charset="-127"/>
-                <a:ea typeface="나눔고딕" panose="020D0604000000000000" pitchFamily="50" charset="-127"/>
-                <a:cs typeface="함초롬바탕" panose="02030604000101010101" pitchFamily="18" charset="-127"/>
-              </a:rPr>
-              <a:t> </a:t>
-            </a:r>
-            <a:r>
-              <a:rPr lang="ko-KR" altLang="en-US" sz="2400" b="1" dirty="0" smtClean="0">
-                <a:ln>
-                  <a:solidFill>
-                    <a:schemeClr val="bg1">
-                      <a:lumMod val="65000"/>
-                    </a:schemeClr>
-                  </a:solidFill>
-                </a:ln>
-                <a:solidFill>
-                  <a:schemeClr val="tx1">
-                    <a:lumMod val="75000"/>
-                    <a:lumOff val="25000"/>
-                  </a:schemeClr>
-                </a:solidFill>
-                <a:latin typeface="나눔고딕" panose="020D0604000000000000" pitchFamily="50" charset="-127"/>
-                <a:ea typeface="나눔고딕" panose="020D0604000000000000" pitchFamily="50" charset="-127"/>
-                <a:cs typeface="함초롬바탕" panose="02030604000101010101" pitchFamily="18" charset="-127"/>
-              </a:rPr>
-              <a:t>개발</a:t>
+              <a:t> 개발</a:t>
             </a:r>
             <a:endParaRPr lang="en-US" altLang="ko-KR" sz="2400" b="1" dirty="0" smtClean="0">
               <a:ln>
@@ -15836,28 +15684,7 @@
                 <a:ea typeface="나눔고딕" panose="020D0604000000000000" pitchFamily="50" charset="-127"/>
                 <a:cs typeface="함초롬바탕" panose="02030604000101010101" pitchFamily="18" charset="-127"/>
               </a:rPr>
-              <a:t>| </a:t>
-            </a:r>
-            <a:r>
-              <a:rPr lang="en-US" altLang="ko-KR" sz="2800" b="1" dirty="0" smtClean="0">
-                <a:ln>
-                  <a:solidFill>
-                    <a:schemeClr val="bg1">
-                      <a:lumMod val="65000"/>
-                    </a:schemeClr>
-                  </a:solidFill>
-                </a:ln>
-                <a:solidFill>
-                  <a:schemeClr val="tx1">
-                    <a:lumMod val="75000"/>
-                    <a:lumOff val="25000"/>
-                  </a:schemeClr>
-                </a:solidFill>
-                <a:latin typeface="나눔고딕" panose="020D0604000000000000" pitchFamily="50" charset="-127"/>
-                <a:ea typeface="나눔고딕" panose="020D0604000000000000" pitchFamily="50" charset="-127"/>
-                <a:cs typeface="함초롬바탕" panose="02030604000101010101" pitchFamily="18" charset="-127"/>
-              </a:rPr>
-              <a:t> </a:t>
+              <a:t>|  </a:t>
             </a:r>
             <a:r>
               <a:rPr lang="ko-KR" altLang="en-US" sz="2800" b="1" dirty="0" smtClean="0">
